--- a/PPT/Week2.pptx
+++ b/PPT/Week2.pptx
@@ -28,9 +28,12 @@
   <p:notesSz cx="6858000" cy="9144000"/>
   <p:embeddedFontLst>
     <p:embeddedFont>
-      <p:font typeface="나눔고딕" panose="020D0604000000000000" pitchFamily="50" charset="-127"/>
+      <p:font typeface="나눔손글씨 펜" panose="03040600000000000000" pitchFamily="66" charset="-127"/>
       <p:regular r:id="rId18"/>
-      <p:bold r:id="rId19"/>
+    </p:embeddedFont>
+    <p:embeddedFont>
+      <p:font typeface="Cambria Math" panose="02040503050406030204" pitchFamily="18" charset="0"/>
+      <p:regular r:id="rId19"/>
     </p:embeddedFont>
     <p:embeddedFont>
       <p:font typeface="맑은 고딕" panose="020B0503020000020004" pitchFamily="50" charset="-127"/>
@@ -38,12 +41,9 @@
       <p:bold r:id="rId21"/>
     </p:embeddedFont>
     <p:embeddedFont>
-      <p:font typeface="나눔손글씨 펜" panose="03040600000000000000" pitchFamily="66" charset="-127"/>
+      <p:font typeface="나눔고딕" panose="020D0604000000000000" pitchFamily="50" charset="-127"/>
       <p:regular r:id="rId22"/>
-    </p:embeddedFont>
-    <p:embeddedFont>
-      <p:font typeface="Cambria Math" panose="02040503050406030204" pitchFamily="18" charset="0"/>
-      <p:regular r:id="rId23"/>
+      <p:bold r:id="rId23"/>
     </p:embeddedFont>
   </p:embeddedFontLst>
   <p:defaultTextStyle>
@@ -255,7 +255,7 @@
             <a:fld id="{9C9A239D-8EAB-4675-960D-33BF23570D9B}" type="datetimeFigureOut">
               <a:rPr lang="ko-KR" altLang="en-US" smtClean="0"/>
               <a:pPr/>
-              <a:t>2018-03-16</a:t>
+              <a:t>2018-03-18</a:t>
             </a:fld>
             <a:endParaRPr lang="ko-KR" altLang="en-US"/>
           </a:p>
@@ -3071,7 +3071,7 @@
             <a:fld id="{AC9BE419-3DBD-4114-8239-FD00F4B4DADF}" type="datetimeFigureOut">
               <a:rPr lang="ko-KR" altLang="en-US" smtClean="0"/>
               <a:pPr/>
-              <a:t>2018-03-16</a:t>
+              <a:t>2018-03-18</a:t>
             </a:fld>
             <a:endParaRPr lang="ko-KR" altLang="en-US"/>
           </a:p>
@@ -4496,7 +4496,7 @@
             <a:fld id="{AC9BE419-3DBD-4114-8239-FD00F4B4DADF}" type="datetimeFigureOut">
               <a:rPr lang="ko-KR" altLang="en-US" smtClean="0"/>
               <a:pPr/>
-              <a:t>2018-03-16</a:t>
+              <a:t>2018-03-18</a:t>
             </a:fld>
             <a:endParaRPr lang="ko-KR" altLang="en-US"/>
           </a:p>
@@ -6329,8 +6329,8 @@
           </a:prstGeom>
         </p:spPr>
       </p:pic>
-      <mc:AlternateContent xmlns:mc="http://schemas.openxmlformats.org/markup-compatibility/2006">
-        <mc:Choice xmlns:a14="http://schemas.microsoft.com/office/drawing/2010/main" Requires="a14">
+      <mc:AlternateContent xmlns:mc="http://schemas.openxmlformats.org/markup-compatibility/2006" xmlns:a14="http://schemas.microsoft.com/office/drawing/2010/main">
+        <mc:Choice Requires="a14">
           <p:sp>
             <p:nvSpPr>
               <p:cNvPr id="13" name="TextBox 12">
@@ -6594,7 +6594,7 @@
             </p:txBody>
           </p:sp>
         </mc:Choice>
-        <mc:Fallback>
+        <mc:Fallback xmlns="">
           <p:sp>
             <p:nvSpPr>
               <p:cNvPr id="13" name="TextBox 12">

--- a/PPT/Week2.pptx
+++ b/PPT/Week2.pptx
@@ -5,7 +5,7 @@
     <p:sldMasterId id="2147483648" r:id="rId1"/>
   </p:sldMasterIdLst>
   <p:notesMasterIdLst>
-    <p:notesMasterId r:id="rId17"/>
+    <p:notesMasterId r:id="rId19"/>
   </p:notesMasterIdLst>
   <p:sldIdLst>
     <p:sldId id="256" r:id="rId2"/>
@@ -19,31 +19,33 @@
     <p:sldId id="290" r:id="rId10"/>
     <p:sldId id="273" r:id="rId11"/>
     <p:sldId id="294" r:id="rId12"/>
-    <p:sldId id="286" r:id="rId13"/>
-    <p:sldId id="288" r:id="rId14"/>
-    <p:sldId id="289" r:id="rId15"/>
-    <p:sldId id="266" r:id="rId16"/>
+    <p:sldId id="297" r:id="rId13"/>
+    <p:sldId id="286" r:id="rId14"/>
+    <p:sldId id="288" r:id="rId15"/>
+    <p:sldId id="298" r:id="rId16"/>
+    <p:sldId id="299" r:id="rId17"/>
+    <p:sldId id="266" r:id="rId18"/>
   </p:sldIdLst>
   <p:sldSz cx="9144000" cy="6858000" type="screen4x3"/>
   <p:notesSz cx="6858000" cy="9144000"/>
   <p:embeddedFontLst>
     <p:embeddedFont>
-      <p:font typeface="나눔손글씨 펜" panose="03040600000000000000" pitchFamily="66" charset="-127"/>
-      <p:regular r:id="rId18"/>
-    </p:embeddedFont>
-    <p:embeddedFont>
-      <p:font typeface="Cambria Math" panose="02040503050406030204" pitchFamily="18" charset="0"/>
-      <p:regular r:id="rId19"/>
-    </p:embeddedFont>
-    <p:embeddedFont>
-      <p:font typeface="맑은 고딕" panose="020B0503020000020004" pitchFamily="50" charset="-127"/>
+      <p:font typeface="나눔고딕" panose="020D0604000000000000" pitchFamily="50" charset="-127"/>
       <p:regular r:id="rId20"/>
       <p:bold r:id="rId21"/>
     </p:embeddedFont>
     <p:embeddedFont>
-      <p:font typeface="나눔고딕" panose="020D0604000000000000" pitchFamily="50" charset="-127"/>
+      <p:font typeface="나눔손글씨 펜" panose="03040600000000000000" pitchFamily="66" charset="-127"/>
       <p:regular r:id="rId22"/>
-      <p:bold r:id="rId23"/>
+    </p:embeddedFont>
+    <p:embeddedFont>
+      <p:font typeface="Cambria Math" panose="02040503050406030204" pitchFamily="18" charset="0"/>
+      <p:regular r:id="rId23"/>
+    </p:embeddedFont>
+    <p:embeddedFont>
+      <p:font typeface="맑은 고딕" panose="020B0503020000020004" pitchFamily="50" charset="-127"/>
+      <p:regular r:id="rId24"/>
+      <p:bold r:id="rId25"/>
     </p:embeddedFont>
   </p:embeddedFontLst>
   <p:defaultTextStyle>
@@ -255,7 +257,7 @@
             <a:fld id="{9C9A239D-8EAB-4675-960D-33BF23570D9B}" type="datetimeFigureOut">
               <a:rPr lang="ko-KR" altLang="en-US" smtClean="0"/>
               <a:pPr/>
-              <a:t>2018-03-18</a:t>
+              <a:t>2018-03-20</a:t>
             </a:fld>
             <a:endParaRPr lang="ko-KR" altLang="en-US"/>
           </a:p>
@@ -649,7 +651,14 @@
           <a:bodyPr/>
           <a:lstStyle/>
           <a:p>
-            <a:endParaRPr lang="ko-KR" altLang="en-US" dirty="0"/>
+            <a:r>
+              <a:rPr lang="en-US" altLang="ko-KR" dirty="0"/>
+              <a:t>mod</a:t>
+            </a:r>
+            <a:r>
+              <a:rPr lang="ko-KR" altLang="en-US" dirty="0"/>
+              <a:t>를 다루는 방법과 시간 복잡도에 대해서 얘기해주기</a:t>
+            </a:r>
           </a:p>
         </p:txBody>
       </p:sp>
@@ -680,7 +689,7 @@
     </p:spTree>
     <p:extLst>
       <p:ext uri="{BB962C8B-B14F-4D97-AF65-F5344CB8AC3E}">
-        <p14:creationId xmlns:p14="http://schemas.microsoft.com/office/powerpoint/2010/main" val="3251957085"/>
+        <p14:creationId xmlns:p14="http://schemas.microsoft.com/office/powerpoint/2010/main" val="1501356965"/>
       </p:ext>
     </p:extLst>
   </p:cSld>
@@ -765,7 +774,7 @@
     </p:spTree>
     <p:extLst>
       <p:ext uri="{BB962C8B-B14F-4D97-AF65-F5344CB8AC3E}">
-        <p14:creationId xmlns:p14="http://schemas.microsoft.com/office/powerpoint/2010/main" val="3233727091"/>
+        <p14:creationId xmlns:p14="http://schemas.microsoft.com/office/powerpoint/2010/main" val="3251957085"/>
       </p:ext>
     </p:extLst>
   </p:cSld>
@@ -850,7 +859,347 @@
     </p:spTree>
     <p:extLst>
       <p:ext uri="{BB962C8B-B14F-4D97-AF65-F5344CB8AC3E}">
-        <p14:creationId xmlns:p14="http://schemas.microsoft.com/office/powerpoint/2010/main" val="721254687"/>
+        <p14:creationId xmlns:p14="http://schemas.microsoft.com/office/powerpoint/2010/main" val="3233727091"/>
+      </p:ext>
+    </p:extLst>
+  </p:cSld>
+  <p:clrMapOvr>
+    <a:masterClrMapping/>
+  </p:clrMapOvr>
+</p:notes>
+</file>
+
+<file path=ppt/notesSlides/notesSlide13.xml><?xml version="1.0" encoding="utf-8"?>
+<p:notes xmlns:a="http://schemas.openxmlformats.org/drawingml/2006/main" xmlns:r="http://schemas.openxmlformats.org/officeDocument/2006/relationships" xmlns:p="http://schemas.openxmlformats.org/presentationml/2006/main">
+  <p:cSld>
+    <p:spTree>
+      <p:nvGrpSpPr>
+        <p:cNvPr id="1" name=""/>
+        <p:cNvGrpSpPr/>
+        <p:nvPr/>
+      </p:nvGrpSpPr>
+      <p:grpSpPr>
+        <a:xfrm>
+          <a:off x="0" y="0"/>
+          <a:ext cx="0" cy="0"/>
+          <a:chOff x="0" y="0"/>
+          <a:chExt cx="0" cy="0"/>
+        </a:xfrm>
+      </p:grpSpPr>
+      <p:sp>
+        <p:nvSpPr>
+          <p:cNvPr id="2" name="슬라이드 이미지 개체 틀 1"/>
+          <p:cNvSpPr>
+            <a:spLocks noGrp="1" noRot="1" noChangeAspect="1"/>
+          </p:cNvSpPr>
+          <p:nvPr>
+            <p:ph type="sldImg"/>
+          </p:nvPr>
+        </p:nvSpPr>
+        <p:spPr/>
+      </p:sp>
+      <p:sp>
+        <p:nvSpPr>
+          <p:cNvPr id="3" name="슬라이드 노트 개체 틀 2"/>
+          <p:cNvSpPr>
+            <a:spLocks noGrp="1"/>
+          </p:cNvSpPr>
+          <p:nvPr>
+            <p:ph type="body" idx="1"/>
+          </p:nvPr>
+        </p:nvSpPr>
+        <p:spPr/>
+        <p:txBody>
+          <a:bodyPr/>
+          <a:lstStyle/>
+          <a:p>
+            <a:r>
+              <a:rPr lang="ko-KR" altLang="en-US" dirty="0"/>
+              <a:t>문제를 해결하는 빠른 알고리즘을 유도하는 과정이 책 </a:t>
+            </a:r>
+            <a:r>
+              <a:rPr lang="en-US" altLang="ko-KR" dirty="0"/>
+              <a:t>100</a:t>
+            </a:r>
+            <a:r>
+              <a:rPr lang="ko-KR" altLang="en-US" dirty="0"/>
+              <a:t>권 분량이고 그 코드가 천만줄을 넘더라도 수행 시간이 빠르다면 이는 쉬운 문제</a:t>
+            </a:r>
+            <a:endParaRPr lang="en-US" altLang="ko-KR" dirty="0"/>
+          </a:p>
+          <a:p>
+            <a:r>
+              <a:rPr lang="ko-KR" altLang="en-US" dirty="0"/>
+              <a:t>그리고 여기서 수행시간이 빠른 알고리즘은 다항시간 내에 해결 가능한 알고리즘을 말함 이 문제가 바로 </a:t>
+            </a:r>
+            <a:r>
+              <a:rPr lang="en-US" altLang="ko-KR" dirty="0"/>
+              <a:t>P Problem</a:t>
+            </a:r>
+          </a:p>
+          <a:p>
+            <a:r>
+              <a:rPr lang="en-US" altLang="ko-KR" dirty="0"/>
+              <a:t>NP</a:t>
+            </a:r>
+            <a:r>
+              <a:rPr lang="ko-KR" altLang="en-US" dirty="0"/>
+              <a:t>가 </a:t>
+            </a:r>
+            <a:r>
+              <a:rPr lang="en-US" altLang="ko-KR" dirty="0"/>
+              <a:t>Non-polynomial</a:t>
+            </a:r>
+            <a:r>
+              <a:rPr lang="ko-KR" altLang="en-US" dirty="0"/>
+              <a:t>의 약자라고 해서 다항시간 알고리즘이 존재하지 않는구나 라고 생각하면 안됨</a:t>
+            </a:r>
+            <a:r>
+              <a:rPr lang="en-US" altLang="ko-KR" dirty="0"/>
+              <a:t>.</a:t>
+            </a:r>
+          </a:p>
+          <a:p>
+            <a:r>
+              <a:rPr lang="en-US" altLang="ko-KR" dirty="0"/>
+              <a:t>NP</a:t>
+            </a:r>
+            <a:r>
+              <a:rPr lang="ko-KR" altLang="en-US" dirty="0"/>
+              <a:t>문제는 답이 주어졌을 때 답이 맞는지 다항시간 내에 확인할 수 있는 문제를 말함</a:t>
+            </a:r>
+            <a:endParaRPr lang="en-US" altLang="ko-KR" dirty="0"/>
+          </a:p>
+          <a:p>
+            <a:r>
+              <a:rPr lang="ko-KR" altLang="en-US" dirty="0"/>
+              <a:t>문제를 다항시간내에 풀 수 있음을 증명하기는 쉽지만 풀 수 없음을 증명하기는 어려움</a:t>
+            </a:r>
+            <a:r>
+              <a:rPr lang="en-US" altLang="ko-KR" dirty="0"/>
+              <a:t>(</a:t>
+            </a:r>
+            <a:r>
+              <a:rPr lang="ko-KR" altLang="en-US" dirty="0"/>
+              <a:t>흰 까마귀가 존재하냐</a:t>
+            </a:r>
+            <a:r>
+              <a:rPr lang="en-US" altLang="ko-KR" dirty="0"/>
+              <a:t>? </a:t>
+            </a:r>
+            <a:r>
+              <a:rPr lang="ko-KR" altLang="en-US" dirty="0"/>
+              <a:t>문제</a:t>
+            </a:r>
+            <a:r>
+              <a:rPr lang="en-US" altLang="ko-KR" dirty="0"/>
+              <a:t>)</a:t>
+            </a:r>
+          </a:p>
+          <a:p>
+            <a:r>
+              <a:rPr lang="ko-KR" altLang="en-US" dirty="0"/>
+              <a:t>어려운 문제는 정말 어려운 문제를 잘 골라서 기준으로 삼고 그 기준만큼 어렵거나 그 기준보다 어려운 문제를 어려운 문제 </a:t>
+            </a:r>
+            <a:r>
+              <a:rPr lang="ko-KR" altLang="en-US" dirty="0" err="1"/>
+              <a:t>라고</a:t>
+            </a:r>
+            <a:r>
+              <a:rPr lang="ko-KR" altLang="en-US" dirty="0"/>
+              <a:t> 함</a:t>
+            </a:r>
+            <a:endParaRPr lang="en-US" altLang="ko-KR" dirty="0"/>
+          </a:p>
+        </p:txBody>
+      </p:sp>
+      <p:sp>
+        <p:nvSpPr>
+          <p:cNvPr id="4" name="슬라이드 번호 개체 틀 3"/>
+          <p:cNvSpPr>
+            <a:spLocks noGrp="1"/>
+          </p:cNvSpPr>
+          <p:nvPr>
+            <p:ph type="sldNum" sz="quarter" idx="10"/>
+          </p:nvPr>
+        </p:nvSpPr>
+        <p:spPr/>
+        <p:txBody>
+          <a:bodyPr/>
+          <a:lstStyle/>
+          <a:p>
+            <a:fld id="{B89C52FD-702A-4F63-9E0D-640FECA2C3E1}" type="slidenum">
+              <a:rPr lang="ko-KR" altLang="en-US" smtClean="0"/>
+              <a:pPr/>
+              <a:t>15</a:t>
+            </a:fld>
+            <a:endParaRPr lang="ko-KR" altLang="en-US"/>
+          </a:p>
+        </p:txBody>
+      </p:sp>
+    </p:spTree>
+    <p:extLst>
+      <p:ext uri="{BB962C8B-B14F-4D97-AF65-F5344CB8AC3E}">
+        <p14:creationId xmlns:p14="http://schemas.microsoft.com/office/powerpoint/2010/main" val="3310066860"/>
+      </p:ext>
+    </p:extLst>
+  </p:cSld>
+  <p:clrMapOvr>
+    <a:masterClrMapping/>
+  </p:clrMapOvr>
+</p:notes>
+</file>
+
+<file path=ppt/notesSlides/notesSlide14.xml><?xml version="1.0" encoding="utf-8"?>
+<p:notes xmlns:a="http://schemas.openxmlformats.org/drawingml/2006/main" xmlns:r="http://schemas.openxmlformats.org/officeDocument/2006/relationships" xmlns:p="http://schemas.openxmlformats.org/presentationml/2006/main">
+  <p:cSld>
+    <p:spTree>
+      <p:nvGrpSpPr>
+        <p:cNvPr id="1" name=""/>
+        <p:cNvGrpSpPr/>
+        <p:nvPr/>
+      </p:nvGrpSpPr>
+      <p:grpSpPr>
+        <a:xfrm>
+          <a:off x="0" y="0"/>
+          <a:ext cx="0" cy="0"/>
+          <a:chOff x="0" y="0"/>
+          <a:chExt cx="0" cy="0"/>
+        </a:xfrm>
+      </p:grpSpPr>
+      <p:sp>
+        <p:nvSpPr>
+          <p:cNvPr id="2" name="슬라이드 이미지 개체 틀 1"/>
+          <p:cNvSpPr>
+            <a:spLocks noGrp="1" noRot="1" noChangeAspect="1"/>
+          </p:cNvSpPr>
+          <p:nvPr>
+            <p:ph type="sldImg"/>
+          </p:nvPr>
+        </p:nvSpPr>
+        <p:spPr/>
+      </p:sp>
+      <p:sp>
+        <p:nvSpPr>
+          <p:cNvPr id="3" name="슬라이드 노트 개체 틀 2"/>
+          <p:cNvSpPr>
+            <a:spLocks noGrp="1"/>
+          </p:cNvSpPr>
+          <p:nvPr>
+            <p:ph type="body" idx="1"/>
+          </p:nvPr>
+        </p:nvSpPr>
+        <p:spPr/>
+        <p:txBody>
+          <a:bodyPr/>
+          <a:lstStyle/>
+          <a:p>
+            <a:r>
+              <a:rPr lang="ko-KR" altLang="en-US" dirty="0" err="1"/>
+              <a:t>카잉</a:t>
+            </a:r>
+            <a:r>
+              <a:rPr lang="ko-KR" altLang="en-US" dirty="0"/>
+              <a:t> 달력 </a:t>
+            </a:r>
+            <a:r>
+              <a:rPr lang="en-US" altLang="ko-KR" dirty="0"/>
+              <a:t>– lcm</a:t>
+            </a:r>
+          </a:p>
+          <a:p>
+            <a:r>
+              <a:rPr lang="ko-KR" altLang="en-US" dirty="0"/>
+              <a:t>소수 구하기 </a:t>
+            </a:r>
+            <a:r>
+              <a:rPr lang="en-US" altLang="ko-KR" dirty="0"/>
+              <a:t>– </a:t>
+            </a:r>
+            <a:r>
+              <a:rPr lang="ko-KR" altLang="en-US" dirty="0" err="1"/>
+              <a:t>에라토스테네스의</a:t>
+            </a:r>
+            <a:r>
+              <a:rPr lang="ko-KR" altLang="en-US" dirty="0"/>
+              <a:t> 체</a:t>
+            </a:r>
+            <a:endParaRPr lang="en-US" altLang="ko-KR" dirty="0"/>
+          </a:p>
+          <a:p>
+            <a:r>
+              <a:rPr lang="ko-KR" altLang="en-US" dirty="0"/>
+              <a:t>벌집 </a:t>
+            </a:r>
+            <a:r>
+              <a:rPr lang="en-US" altLang="ko-KR" dirty="0"/>
+              <a:t>– </a:t>
+            </a:r>
+            <a:r>
+              <a:rPr lang="ko-KR" altLang="en-US" dirty="0"/>
+              <a:t>규칙 찾기</a:t>
+            </a:r>
+            <a:endParaRPr lang="en-US" altLang="ko-KR" dirty="0"/>
+          </a:p>
+          <a:p>
+            <a:r>
+              <a:rPr lang="ko-KR" altLang="en-US" dirty="0"/>
+              <a:t>달팽이는 올라가고 싶다 </a:t>
+            </a:r>
+            <a:r>
+              <a:rPr lang="en-US" altLang="ko-KR" dirty="0"/>
+              <a:t>– </a:t>
+            </a:r>
+            <a:r>
+              <a:rPr lang="ko-KR" altLang="en-US" dirty="0"/>
+              <a:t>규칙 찾기</a:t>
+            </a:r>
+            <a:endParaRPr lang="en-US" altLang="ko-KR" dirty="0"/>
+          </a:p>
+          <a:p>
+            <a:r>
+              <a:rPr lang="ko-KR" altLang="en-US" dirty="0"/>
+              <a:t>교수가 된 현우 </a:t>
+            </a:r>
+            <a:r>
+              <a:rPr lang="en-US" altLang="ko-KR" dirty="0"/>
+              <a:t>– </a:t>
+            </a:r>
+            <a:r>
+              <a:rPr lang="ko-KR" altLang="en-US" dirty="0"/>
+              <a:t>규칙 찾기</a:t>
+            </a:r>
+          </a:p>
+        </p:txBody>
+      </p:sp>
+      <p:sp>
+        <p:nvSpPr>
+          <p:cNvPr id="4" name="슬라이드 번호 개체 틀 3"/>
+          <p:cNvSpPr>
+            <a:spLocks noGrp="1"/>
+          </p:cNvSpPr>
+          <p:nvPr>
+            <p:ph type="sldNum" sz="quarter" idx="10"/>
+          </p:nvPr>
+        </p:nvSpPr>
+        <p:spPr/>
+        <p:txBody>
+          <a:bodyPr/>
+          <a:lstStyle/>
+          <a:p>
+            <a:fld id="{B89C52FD-702A-4F63-9E0D-640FECA2C3E1}" type="slidenum">
+              <a:rPr lang="ko-KR" altLang="en-US" smtClean="0"/>
+              <a:pPr/>
+              <a:t>16</a:t>
+            </a:fld>
+            <a:endParaRPr lang="ko-KR" altLang="en-US"/>
+          </a:p>
+        </p:txBody>
+      </p:sp>
+    </p:spTree>
+    <p:extLst>
+      <p:ext uri="{BB962C8B-B14F-4D97-AF65-F5344CB8AC3E}">
+        <p14:creationId xmlns:p14="http://schemas.microsoft.com/office/powerpoint/2010/main" val="1528928236"/>
       </p:ext>
     </p:extLst>
   </p:cSld>
@@ -1882,66 +2231,41 @@
           <a:p>
             <a:r>
               <a:rPr lang="ko-KR" altLang="en-US" dirty="0" err="1"/>
-              <a:t>빅오</a:t>
+              <a:t>시간복잡도에서는</a:t>
+            </a:r>
+            <a:r>
+              <a:rPr lang="ko-KR" altLang="en-US" dirty="0"/>
+              <a:t> 상수를 무시함 </a:t>
             </a:r>
             <a:r>
               <a:rPr lang="en-US" altLang="ko-KR" dirty="0"/>
-              <a:t>-</a:t>
-            </a:r>
-            <a:r>
-              <a:rPr lang="ko-KR" altLang="en-US" dirty="0"/>
-              <a:t>최악</a:t>
-            </a:r>
-            <a:endParaRPr lang="en-US" altLang="ko-KR" dirty="0"/>
-          </a:p>
-          <a:p>
-            <a:r>
-              <a:rPr lang="ko-KR" altLang="en-US" dirty="0" err="1"/>
-              <a:t>빅오메가</a:t>
-            </a:r>
-            <a:r>
-              <a:rPr lang="ko-KR" altLang="en-US" dirty="0"/>
-              <a:t> </a:t>
+              <a:t>ex) </a:t>
+            </a:r>
+            <a:r>
+              <a:rPr lang="en-US" altLang="ko-KR" dirty="0" err="1"/>
+              <a:t>kN</a:t>
             </a:r>
             <a:r>
               <a:rPr lang="en-US" altLang="ko-KR" dirty="0"/>
-              <a:t>– </a:t>
-            </a:r>
-            <a:r>
-              <a:rPr lang="ko-KR" altLang="en-US" dirty="0"/>
-              <a:t>최선</a:t>
-            </a:r>
-            <a:endParaRPr lang="en-US" altLang="ko-KR" dirty="0"/>
-          </a:p>
-          <a:p>
-            <a:r>
-              <a:rPr lang="ko-KR" altLang="en-US" dirty="0" err="1"/>
-              <a:t>빅세타</a:t>
-            </a:r>
-            <a:r>
-              <a:rPr lang="ko-KR" altLang="en-US" dirty="0"/>
-              <a:t> </a:t>
-            </a:r>
+              <a:t> = N,, k2^N = 2^N</a:t>
+            </a:r>
+          </a:p>
+          <a:p>
             <a:r>
               <a:rPr lang="en-US" altLang="ko-KR" dirty="0"/>
-              <a:t>– </a:t>
-            </a:r>
-            <a:r>
-              <a:rPr lang="ko-KR" altLang="en-US" dirty="0" err="1"/>
-              <a:t>빅오와</a:t>
-            </a:r>
-            <a:r>
-              <a:rPr lang="ko-KR" altLang="en-US" dirty="0"/>
-              <a:t> </a:t>
-            </a:r>
-            <a:r>
-              <a:rPr lang="ko-KR" altLang="en-US" dirty="0" err="1"/>
-              <a:t>빅오메가의</a:t>
-            </a:r>
-            <a:r>
-              <a:rPr lang="ko-KR" altLang="en-US" dirty="0"/>
-              <a:t> 중간부분</a:t>
-            </a:r>
+              <a:t>log_2(N) = log_10(N) / log_10(2) = log_10(N) = log(N)</a:t>
+            </a:r>
+          </a:p>
+          <a:p>
+            <a:r>
+              <a:rPr lang="en-US" altLang="ko-KR" dirty="0" err="1"/>
+              <a:t>a^N</a:t>
+            </a:r>
+            <a:r>
+              <a:rPr lang="en-US" altLang="ko-KR" dirty="0"/>
+              <a:t> = a^(log_2(2) * N) = 2^(log_2(a) * N) = 2^(log_2(a)) * 2^N = 2^N</a:t>
+            </a:r>
+            <a:endParaRPr lang="ko-KR" altLang="en-US" dirty="0"/>
           </a:p>
         </p:txBody>
       </p:sp>
@@ -3071,7 +3395,7 @@
             <a:fld id="{AC9BE419-3DBD-4114-8239-FD00F4B4DADF}" type="datetimeFigureOut">
               <a:rPr lang="ko-KR" altLang="en-US" smtClean="0"/>
               <a:pPr/>
-              <a:t>2018-03-18</a:t>
+              <a:t>2018-03-20</a:t>
             </a:fld>
             <a:endParaRPr lang="ko-KR" altLang="en-US"/>
           </a:p>
@@ -4496,7 +4820,7 @@
             <a:fld id="{AC9BE419-3DBD-4114-8239-FD00F4B4DADF}" type="datetimeFigureOut">
               <a:rPr lang="ko-KR" altLang="en-US" smtClean="0"/>
               <a:pPr/>
-              <a:t>2018-03-18</a:t>
+              <a:t>2018-03-20</a:t>
             </a:fld>
             <a:endParaRPr lang="ko-KR" altLang="en-US"/>
           </a:p>
@@ -6916,7 +7240,7 @@
         <p:spPr>
           <a:xfrm>
             <a:off x="971600" y="1360051"/>
-            <a:ext cx="5698104" cy="348813"/>
+            <a:ext cx="5698104" cy="377026"/>
           </a:xfrm>
           <a:prstGeom prst="rect">
             <a:avLst/>
@@ -6974,17 +7298,62 @@
                 <a:latin typeface="나눔손글씨 펜" pitchFamily="66" charset="-127"/>
                 <a:ea typeface="나눔손글씨 펜" pitchFamily="66" charset="-127"/>
               </a:rPr>
-              <a:t> Space complexity</a:t>
-            </a:r>
+              <a:t> </a:t>
+            </a:r>
+            <a:r>
+              <a:rPr lang="ko-KR" altLang="en-US" sz="3000" b="0" spc="-50" dirty="0">
+                <a:solidFill>
+                  <a:schemeClr val="tx2">
+                    <a:lumMod val="75000"/>
+                  </a:schemeClr>
+                </a:solidFill>
+                <a:latin typeface="나눔손글씨 펜" pitchFamily="66" charset="-127"/>
+                <a:ea typeface="나눔손글씨 펜" pitchFamily="66" charset="-127"/>
+              </a:rPr>
+              <a:t>시간 복잡도 분석</a:t>
+            </a:r>
+            <a:r>
+              <a:rPr lang="en-US" altLang="ko-KR" sz="3000" b="0" spc="-50" dirty="0">
+                <a:solidFill>
+                  <a:schemeClr val="tx2">
+                    <a:lumMod val="75000"/>
+                  </a:schemeClr>
+                </a:solidFill>
+                <a:latin typeface="나눔손글씨 펜" pitchFamily="66" charset="-127"/>
+                <a:ea typeface="나눔손글씨 펜" pitchFamily="66" charset="-127"/>
+              </a:rPr>
+              <a:t>: 1629 </a:t>
+            </a:r>
+            <a:r>
+              <a:rPr lang="ko-KR" altLang="en-US" sz="3000" b="0" spc="-50" dirty="0">
+                <a:solidFill>
+                  <a:schemeClr val="tx2">
+                    <a:lumMod val="75000"/>
+                  </a:schemeClr>
+                </a:solidFill>
+                <a:latin typeface="나눔손글씨 펜" pitchFamily="66" charset="-127"/>
+                <a:ea typeface="나눔손글씨 펜" pitchFamily="66" charset="-127"/>
+              </a:rPr>
+              <a:t>곱셈</a:t>
+            </a:r>
+            <a:endParaRPr lang="en-US" altLang="ko-KR" sz="3000" b="0" spc="-50" dirty="0">
+              <a:solidFill>
+                <a:schemeClr val="tx2">
+                  <a:lumMod val="75000"/>
+                </a:schemeClr>
+              </a:solidFill>
+              <a:latin typeface="나눔손글씨 펜" pitchFamily="66" charset="-127"/>
+              <a:ea typeface="나눔손글씨 펜" pitchFamily="66" charset="-127"/>
+            </a:endParaRPr>
           </a:p>
         </p:txBody>
       </p:sp>
       <p:sp>
         <p:nvSpPr>
-          <p:cNvPr id="8" name="TextBox 7">
+          <p:cNvPr id="7" name="TextBox 6">
             <a:extLst>
               <a:ext uri="{FF2B5EF4-FFF2-40B4-BE49-F238E27FC236}">
-                <a16:creationId xmlns:a16="http://schemas.microsoft.com/office/drawing/2014/main" id="{E6CA935E-00FB-4C47-AC89-61DEDEE2417E}"/>
+                <a16:creationId xmlns:a16="http://schemas.microsoft.com/office/drawing/2014/main" id="{AE56C317-9DBB-4CDE-84CC-A01B0182AAFC}"/>
               </a:ext>
             </a:extLst>
           </p:cNvPr>
@@ -6993,8 +7362,8 @@
         </p:nvSpPr>
         <p:spPr>
           <a:xfrm>
-            <a:off x="1160315" y="2044155"/>
-            <a:ext cx="6642520" cy="1988237"/>
+            <a:off x="1160314" y="2292202"/>
+            <a:ext cx="6940077" cy="1175706"/>
           </a:xfrm>
           <a:prstGeom prst="rect">
             <a:avLst/>
@@ -7015,6 +7384,18 @@
               <a:buChar char="-"/>
             </a:pPr>
             <a:r>
+              <a:rPr lang="ko-KR" altLang="en-US" sz="1600" spc="-20" dirty="0">
+                <a:solidFill>
+                  <a:schemeClr val="tx2">
+                    <a:lumMod val="75000"/>
+                  </a:schemeClr>
+                </a:solidFill>
+                <a:latin typeface="나눔손글씨 펜" pitchFamily="66" charset="-127"/>
+                <a:ea typeface="나눔손글씨 펜" pitchFamily="66" charset="-127"/>
+              </a:rPr>
+              <a:t>자연수 </a:t>
+            </a:r>
+            <a:r>
               <a:rPr lang="en-US" altLang="ko-KR" sz="1600" spc="-20" dirty="0">
                 <a:solidFill>
                   <a:schemeClr val="tx2">
@@ -7024,7 +7405,7 @@
                 <a:latin typeface="나눔손글씨 펜" pitchFamily="66" charset="-127"/>
                 <a:ea typeface="나눔손글씨 펜" pitchFamily="66" charset="-127"/>
               </a:rPr>
-              <a:t>Space Complexity(</a:t>
+              <a:t>A</a:t>
             </a:r>
             <a:r>
               <a:rPr lang="ko-KR" altLang="en-US" sz="1600" spc="-20" dirty="0">
@@ -7036,7 +7417,7 @@
                 <a:latin typeface="나눔손글씨 펜" pitchFamily="66" charset="-127"/>
                 <a:ea typeface="나눔손글씨 펜" pitchFamily="66" charset="-127"/>
               </a:rPr>
-              <a:t>공간 복잡도</a:t>
+              <a:t>를 </a:t>
             </a:r>
             <a:r>
               <a:rPr lang="en-US" altLang="ko-KR" sz="1600" spc="-20" dirty="0">
@@ -7048,7 +7429,79 @@
                 <a:latin typeface="나눔손글씨 펜" pitchFamily="66" charset="-127"/>
                 <a:ea typeface="나눔손글씨 펜" pitchFamily="66" charset="-127"/>
               </a:rPr>
-              <a:t>)</a:t>
+              <a:t>B</a:t>
+            </a:r>
+            <a:r>
+              <a:rPr lang="ko-KR" altLang="en-US" sz="1600" spc="-20" dirty="0">
+                <a:solidFill>
+                  <a:schemeClr val="tx2">
+                    <a:lumMod val="75000"/>
+                  </a:schemeClr>
+                </a:solidFill>
+                <a:latin typeface="나눔손글씨 펜" pitchFamily="66" charset="-127"/>
+                <a:ea typeface="나눔손글씨 펜" pitchFamily="66" charset="-127"/>
+              </a:rPr>
+              <a:t>번 곱한 수를 알고 싶다</a:t>
+            </a:r>
+            <a:r>
+              <a:rPr lang="en-US" altLang="ko-KR" sz="1600" spc="-20" dirty="0">
+                <a:solidFill>
+                  <a:schemeClr val="tx2">
+                    <a:lumMod val="75000"/>
+                  </a:schemeClr>
+                </a:solidFill>
+                <a:latin typeface="나눔손글씨 펜" pitchFamily="66" charset="-127"/>
+                <a:ea typeface="나눔손글씨 펜" pitchFamily="66" charset="-127"/>
+              </a:rPr>
+              <a:t>. </a:t>
+            </a:r>
+            <a:r>
+              <a:rPr lang="ko-KR" altLang="en-US" sz="1600" spc="-20" dirty="0">
+                <a:solidFill>
+                  <a:schemeClr val="tx2">
+                    <a:lumMod val="75000"/>
+                  </a:schemeClr>
+                </a:solidFill>
+                <a:latin typeface="나눔손글씨 펜" pitchFamily="66" charset="-127"/>
+                <a:ea typeface="나눔손글씨 펜" pitchFamily="66" charset="-127"/>
+              </a:rPr>
+              <a:t>단 구하려는 수가 매우 커질 수 있으므로 이를 </a:t>
+            </a:r>
+            <a:r>
+              <a:rPr lang="en-US" altLang="ko-KR" sz="1600" spc="-20" dirty="0">
+                <a:solidFill>
+                  <a:schemeClr val="tx2">
+                    <a:lumMod val="75000"/>
+                  </a:schemeClr>
+                </a:solidFill>
+                <a:latin typeface="나눔손글씨 펜" pitchFamily="66" charset="-127"/>
+                <a:ea typeface="나눔손글씨 펜" pitchFamily="66" charset="-127"/>
+              </a:rPr>
+              <a:t>C</a:t>
+            </a:r>
+            <a:r>
+              <a:rPr lang="ko-KR" altLang="en-US" sz="1600" spc="-20" dirty="0">
+                <a:solidFill>
+                  <a:schemeClr val="tx2">
+                    <a:lumMod val="75000"/>
+                  </a:schemeClr>
+                </a:solidFill>
+                <a:latin typeface="나눔손글씨 펜" pitchFamily="66" charset="-127"/>
+                <a:ea typeface="나눔손글씨 펜" pitchFamily="66" charset="-127"/>
+              </a:rPr>
+              <a:t>로 나눈 나머지를 출력한다</a:t>
+            </a:r>
+            <a:r>
+              <a:rPr lang="en-US" altLang="ko-KR" sz="1600" spc="-20" dirty="0">
+                <a:solidFill>
+                  <a:schemeClr val="tx2">
+                    <a:lumMod val="75000"/>
+                  </a:schemeClr>
+                </a:solidFill>
+                <a:latin typeface="나눔손글씨 펜" pitchFamily="66" charset="-127"/>
+                <a:ea typeface="나눔손글씨 펜" pitchFamily="66" charset="-127"/>
+              </a:rPr>
+              <a:t>.</a:t>
             </a:r>
           </a:p>
           <a:p>
@@ -7078,6 +7531,18 @@
               <a:buChar char="-"/>
             </a:pPr>
             <a:r>
+              <a:rPr lang="en-US" altLang="ko-KR" sz="1600" spc="-20" dirty="0">
+                <a:solidFill>
+                  <a:schemeClr val="tx2">
+                    <a:lumMod val="75000"/>
+                  </a:schemeClr>
+                </a:solidFill>
+                <a:latin typeface="나눔손글씨 펜" pitchFamily="66" charset="-127"/>
+                <a:ea typeface="나눔손글씨 펜" pitchFamily="66" charset="-127"/>
+              </a:rPr>
+              <a:t>A B C </a:t>
+            </a:r>
+            <a:r>
               <a:rPr lang="ko-KR" altLang="en-US" sz="1600" spc="-20" dirty="0">
                 <a:solidFill>
                   <a:schemeClr val="tx2">
@@ -7087,7 +7552,31 @@
                 <a:latin typeface="나눔손글씨 펜" pitchFamily="66" charset="-127"/>
                 <a:ea typeface="나눔손글씨 펜" pitchFamily="66" charset="-127"/>
               </a:rPr>
-              <a:t>시간 복잡도의 개념을 공간에 적용시킨 복잡도</a:t>
+              <a:t>는 모두 </a:t>
+            </a:r>
+            <a:r>
+              <a:rPr lang="en-US" altLang="ko-KR" sz="1600" spc="-20" dirty="0">
+                <a:solidFill>
+                  <a:schemeClr val="tx2">
+                    <a:lumMod val="75000"/>
+                  </a:schemeClr>
+                </a:solidFill>
+                <a:latin typeface="나눔손글씨 펜" pitchFamily="66" charset="-127"/>
+                <a:ea typeface="나눔손글씨 펜" pitchFamily="66" charset="-127"/>
+              </a:rPr>
+              <a:t>2,147,483,647 </a:t>
+            </a:r>
+            <a:r>
+              <a:rPr lang="ko-KR" altLang="en-US" sz="1600" spc="-20" dirty="0">
+                <a:solidFill>
+                  <a:schemeClr val="tx2">
+                    <a:lumMod val="75000"/>
+                  </a:schemeClr>
+                </a:solidFill>
+                <a:latin typeface="나눔손글씨 펜" pitchFamily="66" charset="-127"/>
+                <a:ea typeface="나눔손글씨 펜" pitchFamily="66" charset="-127"/>
+              </a:rPr>
+              <a:t>이하의 자연수</a:t>
             </a:r>
             <a:endParaRPr lang="en-US" altLang="ko-KR" sz="1600" spc="-20" dirty="0">
               <a:solidFill>
@@ -7100,12 +7589,10 @@
             </a:endParaRPr>
           </a:p>
           <a:p>
-            <a:pPr marL="285750" indent="-285750">
+            <a:pPr>
               <a:lnSpc>
                 <a:spcPct val="110000"/>
               </a:lnSpc>
-              <a:buFontTx/>
-              <a:buChar char="-"/>
             </a:pPr>
             <a:endParaRPr lang="en-US" altLang="ko-KR" sz="1600" spc="-20" dirty="0">
               <a:solidFill>
@@ -7117,114 +7604,12 @@
               <a:ea typeface="나눔손글씨 펜" pitchFamily="66" charset="-127"/>
             </a:endParaRPr>
           </a:p>
-          <a:p>
-            <a:pPr marL="285750" indent="-285750">
-              <a:lnSpc>
-                <a:spcPct val="110000"/>
-              </a:lnSpc>
-              <a:buFontTx/>
-              <a:buChar char="-"/>
-            </a:pPr>
-            <a:r>
-              <a:rPr lang="ko-KR" altLang="en-US" sz="1600" spc="-20" dirty="0">
-                <a:solidFill>
-                  <a:schemeClr val="tx2">
-                    <a:lumMod val="75000"/>
-                  </a:schemeClr>
-                </a:solidFill>
-                <a:latin typeface="나눔손글씨 펜" pitchFamily="66" charset="-127"/>
-                <a:ea typeface="나눔손글씨 펜" pitchFamily="66" charset="-127"/>
-              </a:rPr>
-              <a:t>현대 컴퓨터는 과거에 비해 하드웨어의 스펙이 많이 업그레이드 되었으므로 크게 신경 쓰지는 않음</a:t>
-            </a:r>
-            <a:endParaRPr lang="en-US" altLang="ko-KR" sz="1600" spc="-20" dirty="0">
-              <a:solidFill>
-                <a:schemeClr val="tx2">
-                  <a:lumMod val="75000"/>
-                </a:schemeClr>
-              </a:solidFill>
-              <a:latin typeface="나눔손글씨 펜" pitchFamily="66" charset="-127"/>
-              <a:ea typeface="나눔손글씨 펜" pitchFamily="66" charset="-127"/>
-            </a:endParaRPr>
-          </a:p>
-          <a:p>
-            <a:pPr marL="285750" indent="-285750">
-              <a:lnSpc>
-                <a:spcPct val="110000"/>
-              </a:lnSpc>
-              <a:buFontTx/>
-              <a:buChar char="-"/>
-            </a:pPr>
-            <a:endParaRPr lang="en-US" altLang="ko-KR" sz="1600" spc="-20" dirty="0">
-              <a:solidFill>
-                <a:schemeClr val="tx2">
-                  <a:lumMod val="75000"/>
-                </a:schemeClr>
-              </a:solidFill>
-              <a:latin typeface="나눔손글씨 펜" pitchFamily="66" charset="-127"/>
-              <a:ea typeface="나눔손글씨 펜" pitchFamily="66" charset="-127"/>
-            </a:endParaRPr>
-          </a:p>
-          <a:p>
-            <a:pPr marL="285750" indent="-285750">
-              <a:lnSpc>
-                <a:spcPct val="110000"/>
-              </a:lnSpc>
-              <a:buFontTx/>
-              <a:buChar char="-"/>
-            </a:pPr>
-            <a:r>
-              <a:rPr lang="ko-KR" altLang="en-US" sz="1600" spc="-20" dirty="0">
-                <a:solidFill>
-                  <a:schemeClr val="tx2">
-                    <a:lumMod val="75000"/>
-                  </a:schemeClr>
-                </a:solidFill>
-                <a:latin typeface="나눔손글씨 펜" pitchFamily="66" charset="-127"/>
-                <a:ea typeface="나눔손글씨 펜" pitchFamily="66" charset="-127"/>
-              </a:rPr>
-              <a:t>하지만 임베디드 프로그래밍 등의 경우처럼 메모리 관리가 필요할 때에는 </a:t>
-            </a:r>
-            <a:r>
-              <a:rPr lang="ko-KR" altLang="en-US" sz="1600" spc="-20" dirty="0" err="1">
-                <a:solidFill>
-                  <a:schemeClr val="tx2">
-                    <a:lumMod val="75000"/>
-                  </a:schemeClr>
-                </a:solidFill>
-                <a:latin typeface="나눔손글씨 펜" pitchFamily="66" charset="-127"/>
-                <a:ea typeface="나눔손글씨 펜" pitchFamily="66" charset="-127"/>
-              </a:rPr>
-              <a:t>신경써야</a:t>
-            </a:r>
-            <a:r>
-              <a:rPr lang="ko-KR" altLang="en-US" sz="1600" spc="-20" dirty="0">
-                <a:solidFill>
-                  <a:schemeClr val="tx2">
-                    <a:lumMod val="75000"/>
-                  </a:schemeClr>
-                </a:solidFill>
-                <a:latin typeface="나눔손글씨 펜" pitchFamily="66" charset="-127"/>
-                <a:ea typeface="나눔손글씨 펜" pitchFamily="66" charset="-127"/>
-              </a:rPr>
-              <a:t> 할 필요가 있음</a:t>
-            </a:r>
-            <a:endParaRPr lang="en-US" altLang="ko-KR" sz="1600" spc="-20" dirty="0">
-              <a:solidFill>
-                <a:schemeClr val="tx2">
-                  <a:lumMod val="75000"/>
-                </a:schemeClr>
-              </a:solidFill>
-              <a:latin typeface="나눔손글씨 펜" pitchFamily="66" charset="-127"/>
-              <a:ea typeface="나눔손글씨 펜" pitchFamily="66" charset="-127"/>
-            </a:endParaRPr>
-          </a:p>
         </p:txBody>
       </p:sp>
     </p:spTree>
     <p:extLst>
       <p:ext uri="{BB962C8B-B14F-4D97-AF65-F5344CB8AC3E}">
-        <p14:creationId xmlns:p14="http://schemas.microsoft.com/office/powerpoint/2010/main" val="1869653250"/>
+        <p14:creationId xmlns:p14="http://schemas.microsoft.com/office/powerpoint/2010/main" val="3511681400"/>
       </p:ext>
     </p:extLst>
   </p:cSld>
@@ -7349,7 +7734,7 @@
         <p:spPr>
           <a:xfrm>
             <a:off x="971600" y="1360051"/>
-            <a:ext cx="5698104" cy="377026"/>
+            <a:ext cx="5698104" cy="348813"/>
           </a:xfrm>
           <a:prstGeom prst="rect">
             <a:avLst/>
@@ -7407,62 +7792,17 @@
                 <a:latin typeface="나눔손글씨 펜" pitchFamily="66" charset="-127"/>
                 <a:ea typeface="나눔손글씨 펜" pitchFamily="66" charset="-127"/>
               </a:rPr>
-              <a:t> Example: 1003 </a:t>
-            </a:r>
-            <a:r>
-              <a:rPr lang="ko-KR" altLang="en-US" sz="3000" b="0" spc="-50" dirty="0">
-                <a:solidFill>
-                  <a:schemeClr val="tx2">
-                    <a:lumMod val="75000"/>
-                  </a:schemeClr>
-                </a:solidFill>
-                <a:latin typeface="나눔손글씨 펜" pitchFamily="66" charset="-127"/>
-                <a:ea typeface="나눔손글씨 펜" pitchFamily="66" charset="-127"/>
-              </a:rPr>
-              <a:t>피보나치 함수  제한시간 </a:t>
-            </a:r>
-            <a:r>
-              <a:rPr lang="en-US" altLang="ko-KR" sz="3000" b="0" spc="-50" dirty="0">
-                <a:solidFill>
-                  <a:schemeClr val="tx2">
-                    <a:lumMod val="75000"/>
-                  </a:schemeClr>
-                </a:solidFill>
-                <a:latin typeface="나눔손글씨 펜" pitchFamily="66" charset="-127"/>
-                <a:ea typeface="나눔손글씨 펜" pitchFamily="66" charset="-127"/>
-              </a:rPr>
-              <a:t>10</a:t>
-            </a:r>
-            <a:r>
-              <a:rPr lang="ko-KR" altLang="en-US" sz="3000" b="0" spc="-50" dirty="0">
-                <a:solidFill>
-                  <a:schemeClr val="tx2">
-                    <a:lumMod val="75000"/>
-                  </a:schemeClr>
-                </a:solidFill>
-                <a:latin typeface="나눔손글씨 펜" pitchFamily="66" charset="-127"/>
-                <a:ea typeface="나눔손글씨 펜" pitchFamily="66" charset="-127"/>
-              </a:rPr>
-              <a:t>분</a:t>
-            </a:r>
-            <a:endParaRPr lang="en-US" altLang="ko-KR" sz="3000" b="0" spc="-50" dirty="0">
-              <a:solidFill>
-                <a:schemeClr val="tx2">
-                  <a:lumMod val="75000"/>
-                </a:schemeClr>
-              </a:solidFill>
-              <a:latin typeface="나눔손글씨 펜" pitchFamily="66" charset="-127"/>
-              <a:ea typeface="나눔손글씨 펜" pitchFamily="66" charset="-127"/>
-            </a:endParaRPr>
+              <a:t> Space complexity</a:t>
+            </a:r>
           </a:p>
         </p:txBody>
       </p:sp>
       <p:sp>
         <p:nvSpPr>
-          <p:cNvPr id="7" name="TextBox 6">
+          <p:cNvPr id="8" name="TextBox 7">
             <a:extLst>
               <a:ext uri="{FF2B5EF4-FFF2-40B4-BE49-F238E27FC236}">
-                <a16:creationId xmlns:a16="http://schemas.microsoft.com/office/drawing/2014/main" id="{AE56C317-9DBB-4CDE-84CC-A01B0182AAFC}"/>
+                <a16:creationId xmlns:a16="http://schemas.microsoft.com/office/drawing/2014/main" id="{E6CA935E-00FB-4C47-AC89-61DEDEE2417E}"/>
               </a:ext>
             </a:extLst>
           </p:cNvPr>
@@ -7471,8 +7811,8 @@
         </p:nvSpPr>
         <p:spPr>
           <a:xfrm>
-            <a:off x="1160315" y="5789051"/>
-            <a:ext cx="6642520" cy="344710"/>
+            <a:off x="1160315" y="2044155"/>
+            <a:ext cx="6642520" cy="1988237"/>
           </a:xfrm>
           <a:prstGeom prst="rect">
             <a:avLst/>
@@ -7502,7 +7842,7 @@
                 <a:latin typeface="나눔손글씨 펜" pitchFamily="66" charset="-127"/>
                 <a:ea typeface="나눔손글씨 펜" pitchFamily="66" charset="-127"/>
               </a:rPr>
-              <a:t>“</a:t>
+              <a:t>Space Complexity(</a:t>
             </a:r>
             <a:r>
               <a:rPr lang="ko-KR" altLang="en-US" sz="1600" spc="-20" dirty="0">
@@ -7514,7 +7854,7 @@
                 <a:latin typeface="나눔손글씨 펜" pitchFamily="66" charset="-127"/>
                 <a:ea typeface="나눔손글씨 펜" pitchFamily="66" charset="-127"/>
               </a:rPr>
-              <a:t>시간초과</a:t>
+              <a:t>공간 복잡도</a:t>
             </a:r>
             <a:r>
               <a:rPr lang="en-US" altLang="ko-KR" sz="1600" spc="-20" dirty="0">
@@ -7526,20 +7866,17 @@
                 <a:latin typeface="나눔손글씨 펜" pitchFamily="66" charset="-127"/>
                 <a:ea typeface="나눔손글씨 펜" pitchFamily="66" charset="-127"/>
               </a:rPr>
-              <a:t>” </a:t>
-            </a:r>
-            <a:r>
-              <a:rPr lang="ko-KR" altLang="en-US" sz="1600" spc="-20" dirty="0">
-                <a:solidFill>
-                  <a:schemeClr val="tx2">
-                    <a:lumMod val="75000"/>
-                  </a:schemeClr>
-                </a:solidFill>
-                <a:latin typeface="나눔손글씨 펜" pitchFamily="66" charset="-127"/>
-                <a:ea typeface="나눔손글씨 펜" pitchFamily="66" charset="-127"/>
-              </a:rPr>
-              <a:t>메시지에 유의하여 계산하기</a:t>
-            </a:r>
+              <a:t>)</a:t>
+            </a:r>
+          </a:p>
+          <a:p>
+            <a:pPr marL="285750" indent="-285750">
+              <a:lnSpc>
+                <a:spcPct val="110000"/>
+              </a:lnSpc>
+              <a:buFontTx/>
+              <a:buChar char="-"/>
+            </a:pPr>
             <a:endParaRPr lang="en-US" altLang="ko-KR" sz="1600" spc="-20" dirty="0">
               <a:solidFill>
                 <a:schemeClr val="tx2">
@@ -7550,48 +7887,162 @@
               <a:ea typeface="나눔손글씨 펜" pitchFamily="66" charset="-127"/>
             </a:endParaRPr>
           </a:p>
+          <a:p>
+            <a:pPr marL="285750" indent="-285750">
+              <a:lnSpc>
+                <a:spcPct val="110000"/>
+              </a:lnSpc>
+              <a:buFontTx/>
+              <a:buChar char="-"/>
+            </a:pPr>
+            <a:r>
+              <a:rPr lang="ko-KR" altLang="en-US" sz="1600" spc="-20" dirty="0">
+                <a:solidFill>
+                  <a:schemeClr val="tx2">
+                    <a:lumMod val="75000"/>
+                  </a:schemeClr>
+                </a:solidFill>
+                <a:latin typeface="나눔손글씨 펜" pitchFamily="66" charset="-127"/>
+                <a:ea typeface="나눔손글씨 펜" pitchFamily="66" charset="-127"/>
+              </a:rPr>
+              <a:t>시간 복잡도의 개념을 공간에 적용시킨 복잡도</a:t>
+            </a:r>
+            <a:endParaRPr lang="en-US" altLang="ko-KR" sz="1600" spc="-20" dirty="0">
+              <a:solidFill>
+                <a:schemeClr val="tx2">
+                  <a:lumMod val="75000"/>
+                </a:schemeClr>
+              </a:solidFill>
+              <a:latin typeface="나눔손글씨 펜" pitchFamily="66" charset="-127"/>
+              <a:ea typeface="나눔손글씨 펜" pitchFamily="66" charset="-127"/>
+            </a:endParaRPr>
+          </a:p>
+          <a:p>
+            <a:pPr marL="285750" indent="-285750">
+              <a:lnSpc>
+                <a:spcPct val="110000"/>
+              </a:lnSpc>
+              <a:buFontTx/>
+              <a:buChar char="-"/>
+            </a:pPr>
+            <a:endParaRPr lang="en-US" altLang="ko-KR" sz="1600" spc="-20" dirty="0">
+              <a:solidFill>
+                <a:schemeClr val="tx2">
+                  <a:lumMod val="75000"/>
+                </a:schemeClr>
+              </a:solidFill>
+              <a:latin typeface="나눔손글씨 펜" pitchFamily="66" charset="-127"/>
+              <a:ea typeface="나눔손글씨 펜" pitchFamily="66" charset="-127"/>
+            </a:endParaRPr>
+          </a:p>
+          <a:p>
+            <a:pPr marL="285750" indent="-285750">
+              <a:lnSpc>
+                <a:spcPct val="110000"/>
+              </a:lnSpc>
+              <a:buFontTx/>
+              <a:buChar char="-"/>
+            </a:pPr>
+            <a:r>
+              <a:rPr lang="ko-KR" altLang="en-US" sz="1600" spc="-20" dirty="0">
+                <a:solidFill>
+                  <a:schemeClr val="tx2">
+                    <a:lumMod val="75000"/>
+                  </a:schemeClr>
+                </a:solidFill>
+                <a:latin typeface="나눔손글씨 펜" pitchFamily="66" charset="-127"/>
+                <a:ea typeface="나눔손글씨 펜" pitchFamily="66" charset="-127"/>
+              </a:rPr>
+              <a:t>현대 컴퓨터는 과거에 비해 하드웨어의 스펙이 많이 업그레이드 되었으므로 크게 신경 쓰지는 않음</a:t>
+            </a:r>
+            <a:endParaRPr lang="en-US" altLang="ko-KR" sz="1600" spc="-20" dirty="0">
+              <a:solidFill>
+                <a:schemeClr val="tx2">
+                  <a:lumMod val="75000"/>
+                </a:schemeClr>
+              </a:solidFill>
+              <a:latin typeface="나눔손글씨 펜" pitchFamily="66" charset="-127"/>
+              <a:ea typeface="나눔손글씨 펜" pitchFamily="66" charset="-127"/>
+            </a:endParaRPr>
+          </a:p>
+          <a:p>
+            <a:pPr marL="285750" indent="-285750">
+              <a:lnSpc>
+                <a:spcPct val="110000"/>
+              </a:lnSpc>
+              <a:buFontTx/>
+              <a:buChar char="-"/>
+            </a:pPr>
+            <a:endParaRPr lang="en-US" altLang="ko-KR" sz="1600" spc="-20" dirty="0">
+              <a:solidFill>
+                <a:schemeClr val="tx2">
+                  <a:lumMod val="75000"/>
+                </a:schemeClr>
+              </a:solidFill>
+              <a:latin typeface="나눔손글씨 펜" pitchFamily="66" charset="-127"/>
+              <a:ea typeface="나눔손글씨 펜" pitchFamily="66" charset="-127"/>
+            </a:endParaRPr>
+          </a:p>
+          <a:p>
+            <a:pPr marL="285750" indent="-285750">
+              <a:lnSpc>
+                <a:spcPct val="110000"/>
+              </a:lnSpc>
+              <a:buFontTx/>
+              <a:buChar char="-"/>
+            </a:pPr>
+            <a:r>
+              <a:rPr lang="ko-KR" altLang="en-US" sz="1600" spc="-20" dirty="0">
+                <a:solidFill>
+                  <a:schemeClr val="tx2">
+                    <a:lumMod val="75000"/>
+                  </a:schemeClr>
+                </a:solidFill>
+                <a:latin typeface="나눔손글씨 펜" pitchFamily="66" charset="-127"/>
+                <a:ea typeface="나눔손글씨 펜" pitchFamily="66" charset="-127"/>
+              </a:rPr>
+              <a:t>하지만 임베디드 프로그래밍 등의 경우처럼 메모리 관리가 필요할 때에는 </a:t>
+            </a:r>
+            <a:r>
+              <a:rPr lang="ko-KR" altLang="en-US" sz="1600" spc="-20" dirty="0" err="1">
+                <a:solidFill>
+                  <a:schemeClr val="tx2">
+                    <a:lumMod val="75000"/>
+                  </a:schemeClr>
+                </a:solidFill>
+                <a:latin typeface="나눔손글씨 펜" pitchFamily="66" charset="-127"/>
+                <a:ea typeface="나눔손글씨 펜" pitchFamily="66" charset="-127"/>
+              </a:rPr>
+              <a:t>신경써야</a:t>
+            </a:r>
+            <a:r>
+              <a:rPr lang="ko-KR" altLang="en-US" sz="1600" spc="-20" dirty="0">
+                <a:solidFill>
+                  <a:schemeClr val="tx2">
+                    <a:lumMod val="75000"/>
+                  </a:schemeClr>
+                </a:solidFill>
+                <a:latin typeface="나눔손글씨 펜" pitchFamily="66" charset="-127"/>
+                <a:ea typeface="나눔손글씨 펜" pitchFamily="66" charset="-127"/>
+              </a:rPr>
+              <a:t> 할 필요가 있음</a:t>
+            </a:r>
+            <a:endParaRPr lang="en-US" altLang="ko-KR" sz="1600" spc="-20" dirty="0">
+              <a:solidFill>
+                <a:schemeClr val="tx2">
+                  <a:lumMod val="75000"/>
+                </a:schemeClr>
+              </a:solidFill>
+              <a:latin typeface="나눔손글씨 펜" pitchFamily="66" charset="-127"/>
+              <a:ea typeface="나눔손글씨 펜" pitchFamily="66" charset="-127"/>
+            </a:endParaRPr>
+          </a:p>
         </p:txBody>
       </p:sp>
-      <p:pic>
-        <p:nvPicPr>
-          <p:cNvPr id="3" name="그림 2">
-            <a:extLst>
-              <a:ext uri="{FF2B5EF4-FFF2-40B4-BE49-F238E27FC236}">
-                <a16:creationId xmlns:a16="http://schemas.microsoft.com/office/drawing/2014/main" id="{2477D276-6D57-473E-AAC6-99C77B423E55}"/>
-              </a:ext>
-            </a:extLst>
-          </p:cNvPr>
-          <p:cNvPicPr>
-            <a:picLocks noChangeAspect="1"/>
-          </p:cNvPicPr>
-          <p:nvPr/>
-        </p:nvPicPr>
-        <p:blipFill>
-          <a:blip r:embed="rId4">
-            <a:extLst>
-              <a:ext uri="{28A0092B-C50C-407E-A947-70E740481C1C}">
-                <a14:useLocalDpi xmlns:a14="http://schemas.microsoft.com/office/drawing/2010/main" val="0"/>
-              </a:ext>
-            </a:extLst>
-          </a:blip>
-          <a:stretch>
-            <a:fillRect/>
-          </a:stretch>
-        </p:blipFill>
-        <p:spPr>
-          <a:xfrm>
-            <a:off x="1180517" y="1692841"/>
-            <a:ext cx="4183571" cy="4064041"/>
-          </a:xfrm>
-          <a:prstGeom prst="rect">
-            <a:avLst/>
-          </a:prstGeom>
-        </p:spPr>
-      </p:pic>
     </p:spTree>
     <p:extLst>
       <p:ext uri="{BB962C8B-B14F-4D97-AF65-F5344CB8AC3E}">
-        <p14:creationId xmlns:p14="http://schemas.microsoft.com/office/powerpoint/2010/main" val="4001608037"/>
+        <p14:creationId xmlns:p14="http://schemas.microsoft.com/office/powerpoint/2010/main" val="1869653250"/>
       </p:ext>
     </p:extLst>
   </p:cSld>
@@ -7716,7 +8167,7 @@
         <p:spPr>
           <a:xfrm>
             <a:off x="971600" y="1360051"/>
-            <a:ext cx="5698104" cy="348813"/>
+            <a:ext cx="5698104" cy="377026"/>
           </a:xfrm>
           <a:prstGeom prst="rect">
             <a:avLst/>
@@ -7774,7 +8225,7 @@
                 <a:latin typeface="나눔손글씨 펜" pitchFamily="66" charset="-127"/>
                 <a:ea typeface="나눔손글씨 펜" pitchFamily="66" charset="-127"/>
               </a:rPr>
-              <a:t> Example: 1629 </a:t>
+              <a:t> Example: 1003 </a:t>
             </a:r>
             <a:r>
               <a:rPr lang="ko-KR" altLang="en-US" sz="3000" b="0" spc="-50" dirty="0">
@@ -7786,7 +8237,31 @@
                 <a:latin typeface="나눔손글씨 펜" pitchFamily="66" charset="-127"/>
                 <a:ea typeface="나눔손글씨 펜" pitchFamily="66" charset="-127"/>
               </a:rPr>
-              <a:t>곱셈</a:t>
+              <a:t>피보나치 함수  제한시간 </a:t>
+            </a:r>
+            <a:r>
+              <a:rPr lang="en-US" altLang="ko-KR" sz="3000" b="0" spc="-50" dirty="0">
+                <a:solidFill>
+                  <a:schemeClr val="tx2">
+                    <a:lumMod val="75000"/>
+                  </a:schemeClr>
+                </a:solidFill>
+                <a:latin typeface="나눔손글씨 펜" pitchFamily="66" charset="-127"/>
+                <a:ea typeface="나눔손글씨 펜" pitchFamily="66" charset="-127"/>
+              </a:rPr>
+              <a:t>10</a:t>
+            </a:r>
+            <a:r>
+              <a:rPr lang="ko-KR" altLang="en-US" sz="3000" b="0" spc="-50" dirty="0">
+                <a:solidFill>
+                  <a:schemeClr val="tx2">
+                    <a:lumMod val="75000"/>
+                  </a:schemeClr>
+                </a:solidFill>
+                <a:latin typeface="나눔손글씨 펜" pitchFamily="66" charset="-127"/>
+                <a:ea typeface="나눔손글씨 펜" pitchFamily="66" charset="-127"/>
+              </a:rPr>
+              <a:t>분</a:t>
             </a:r>
             <a:endParaRPr lang="en-US" altLang="ko-KR" sz="3000" b="0" spc="-50" dirty="0">
               <a:solidFill>
@@ -7814,8 +8289,8 @@
         </p:nvSpPr>
         <p:spPr>
           <a:xfrm>
-            <a:off x="1160314" y="2292202"/>
-            <a:ext cx="6940077" cy="1175706"/>
+            <a:off x="1160315" y="5789051"/>
+            <a:ext cx="6642520" cy="344710"/>
           </a:xfrm>
           <a:prstGeom prst="rect">
             <a:avLst/>
@@ -7836,6 +8311,18 @@
               <a:buChar char="-"/>
             </a:pPr>
             <a:r>
+              <a:rPr lang="en-US" altLang="ko-KR" sz="1600" spc="-20" dirty="0">
+                <a:solidFill>
+                  <a:schemeClr val="tx2">
+                    <a:lumMod val="75000"/>
+                  </a:schemeClr>
+                </a:solidFill>
+                <a:latin typeface="나눔손글씨 펜" pitchFamily="66" charset="-127"/>
+                <a:ea typeface="나눔손글씨 펜" pitchFamily="66" charset="-127"/>
+              </a:rPr>
+              <a:t>“</a:t>
+            </a:r>
+            <a:r>
               <a:rPr lang="ko-KR" altLang="en-US" sz="1600" spc="-20" dirty="0">
                 <a:solidFill>
                   <a:schemeClr val="tx2">
@@ -7845,7 +8332,7 @@
                 <a:latin typeface="나눔손글씨 펜" pitchFamily="66" charset="-127"/>
                 <a:ea typeface="나눔손글씨 펜" pitchFamily="66" charset="-127"/>
               </a:rPr>
-              <a:t>자연수 </a:t>
+              <a:t>시간초과</a:t>
             </a:r>
             <a:r>
               <a:rPr lang="en-US" altLang="ko-KR" sz="1600" spc="-20" dirty="0">
@@ -7857,7 +8344,7 @@
                 <a:latin typeface="나눔손글씨 펜" pitchFamily="66" charset="-127"/>
                 <a:ea typeface="나눔손글씨 펜" pitchFamily="66" charset="-127"/>
               </a:rPr>
-              <a:t>A</a:t>
+              <a:t>” </a:t>
             </a:r>
             <a:r>
               <a:rPr lang="ko-KR" altLang="en-US" sz="1600" spc="-20" dirty="0">
@@ -7869,7 +8356,293 @@
                 <a:latin typeface="나눔손글씨 펜" pitchFamily="66" charset="-127"/>
                 <a:ea typeface="나눔손글씨 펜" pitchFamily="66" charset="-127"/>
               </a:rPr>
-              <a:t>를 </a:t>
+              <a:t>메시지에 유의하여 계산하기</a:t>
+            </a:r>
+            <a:endParaRPr lang="en-US" altLang="ko-KR" sz="1600" spc="-20" dirty="0">
+              <a:solidFill>
+                <a:schemeClr val="tx2">
+                  <a:lumMod val="75000"/>
+                </a:schemeClr>
+              </a:solidFill>
+              <a:latin typeface="나눔손글씨 펜" pitchFamily="66" charset="-127"/>
+              <a:ea typeface="나눔손글씨 펜" pitchFamily="66" charset="-127"/>
+            </a:endParaRPr>
+          </a:p>
+        </p:txBody>
+      </p:sp>
+      <p:pic>
+        <p:nvPicPr>
+          <p:cNvPr id="3" name="그림 2">
+            <a:extLst>
+              <a:ext uri="{FF2B5EF4-FFF2-40B4-BE49-F238E27FC236}">
+                <a16:creationId xmlns:a16="http://schemas.microsoft.com/office/drawing/2014/main" id="{2477D276-6D57-473E-AAC6-99C77B423E55}"/>
+              </a:ext>
+            </a:extLst>
+          </p:cNvPr>
+          <p:cNvPicPr>
+            <a:picLocks noChangeAspect="1"/>
+          </p:cNvPicPr>
+          <p:nvPr/>
+        </p:nvPicPr>
+        <p:blipFill>
+          <a:blip r:embed="rId4">
+            <a:extLst>
+              <a:ext uri="{28A0092B-C50C-407E-A947-70E740481C1C}">
+                <a14:useLocalDpi xmlns:a14="http://schemas.microsoft.com/office/drawing/2010/main" val="0"/>
+              </a:ext>
+            </a:extLst>
+          </a:blip>
+          <a:stretch>
+            <a:fillRect/>
+          </a:stretch>
+        </p:blipFill>
+        <p:spPr>
+          <a:xfrm>
+            <a:off x="1180517" y="1692841"/>
+            <a:ext cx="4183571" cy="4064041"/>
+          </a:xfrm>
+          <a:prstGeom prst="rect">
+            <a:avLst/>
+          </a:prstGeom>
+        </p:spPr>
+      </p:pic>
+    </p:spTree>
+    <p:extLst>
+      <p:ext uri="{BB962C8B-B14F-4D97-AF65-F5344CB8AC3E}">
+        <p14:creationId xmlns:p14="http://schemas.microsoft.com/office/powerpoint/2010/main" val="4001608037"/>
+      </p:ext>
+    </p:extLst>
+  </p:cSld>
+  <p:clrMapOvr>
+    <a:masterClrMapping/>
+  </p:clrMapOvr>
+</p:sld>
+</file>
+
+<file path=ppt/slides/slide15.xml><?xml version="1.0" encoding="utf-8"?>
+<p:sld xmlns:a="http://schemas.openxmlformats.org/drawingml/2006/main" xmlns:r="http://schemas.openxmlformats.org/officeDocument/2006/relationships" xmlns:p="http://schemas.openxmlformats.org/presentationml/2006/main">
+  <p:cSld>
+    <p:spTree>
+      <p:nvGrpSpPr>
+        <p:cNvPr id="1" name=""/>
+        <p:cNvGrpSpPr/>
+        <p:nvPr/>
+      </p:nvGrpSpPr>
+      <p:grpSpPr>
+        <a:xfrm>
+          <a:off x="0" y="0"/>
+          <a:ext cx="0" cy="0"/>
+          <a:chOff x="0" y="0"/>
+          <a:chExt cx="0" cy="0"/>
+        </a:xfrm>
+      </p:grpSpPr>
+      <p:pic>
+        <p:nvPicPr>
+          <p:cNvPr id="10" name="Picture 2" descr="C:\Documents and Settings\nhn\바탕 화면\메모장\04.jpg"/>
+          <p:cNvPicPr>
+            <a:picLocks noChangeAspect="1" noChangeArrowheads="1"/>
+          </p:cNvPicPr>
+          <p:nvPr/>
+        </p:nvPicPr>
+        <p:blipFill>
+          <a:blip r:embed="rId3" cstate="print"/>
+          <a:srcRect/>
+          <a:stretch>
+            <a:fillRect/>
+          </a:stretch>
+        </p:blipFill>
+        <p:spPr bwMode="auto">
+          <a:xfrm>
+            <a:off x="0" y="0"/>
+            <a:ext cx="9144000" cy="6858000"/>
+          </a:xfrm>
+          <a:prstGeom prst="rect">
+            <a:avLst/>
+          </a:prstGeom>
+          <a:noFill/>
+        </p:spPr>
+      </p:pic>
+      <p:sp>
+        <p:nvSpPr>
+          <p:cNvPr id="4" name="TextBox 3"/>
+          <p:cNvSpPr txBox="1"/>
+          <p:nvPr/>
+        </p:nvSpPr>
+        <p:spPr>
+          <a:xfrm>
+            <a:off x="971600" y="495722"/>
+            <a:ext cx="5698104" cy="990015"/>
+          </a:xfrm>
+          <a:prstGeom prst="rect">
+            <a:avLst/>
+          </a:prstGeom>
+          <a:noFill/>
+        </p:spPr>
+        <p:txBody>
+          <a:bodyPr wrap="square" rtlCol="0">
+            <a:spAutoFit/>
+          </a:bodyPr>
+          <a:lstStyle>
+            <a:defPPr>
+              <a:defRPr lang="ko-KR"/>
+            </a:defPPr>
+            <a:lvl1pPr>
+              <a:lnSpc>
+                <a:spcPts val="7000"/>
+              </a:lnSpc>
+              <a:defRPr sz="6600" b="1" spc="-500">
+                <a:gradFill>
+                  <a:gsLst>
+                    <a:gs pos="0">
+                      <a:srgbClr val="0099FF">
+                        <a:alpha val="62000"/>
+                      </a:srgbClr>
+                    </a:gs>
+                    <a:gs pos="99000">
+                      <a:srgbClr val="00B0F0">
+                        <a:alpha val="78000"/>
+                      </a:srgbClr>
+                    </a:gs>
+                  </a:gsLst>
+                  <a:lin ang="2700000" scaled="0"/>
+                </a:gradFill>
+                <a:latin typeface="나눔고딕" pitchFamily="50" charset="-127"/>
+                <a:ea typeface="나눔고딕" pitchFamily="50" charset="-127"/>
+              </a:defRPr>
+            </a:lvl1pPr>
+          </a:lstStyle>
+          <a:p>
+            <a:r>
+              <a:rPr lang="en-US" altLang="ko-KR" sz="1800" b="0" spc="0" dirty="0">
+                <a:solidFill>
+                  <a:srgbClr val="346D94"/>
+                </a:solidFill>
+                <a:latin typeface="나눔손글씨 펜" pitchFamily="66" charset="-127"/>
+                <a:ea typeface="나눔손글씨 펜" pitchFamily="66" charset="-127"/>
+              </a:rPr>
+              <a:t>2. Analysis of algorithms</a:t>
+            </a:r>
+          </a:p>
+        </p:txBody>
+      </p:sp>
+      <p:sp>
+        <p:nvSpPr>
+          <p:cNvPr id="6" name="TextBox 5"/>
+          <p:cNvSpPr txBox="1"/>
+          <p:nvPr/>
+        </p:nvSpPr>
+        <p:spPr>
+          <a:xfrm>
+            <a:off x="971600" y="1360051"/>
+            <a:ext cx="7200800" cy="348813"/>
+          </a:xfrm>
+          <a:prstGeom prst="rect">
+            <a:avLst/>
+          </a:prstGeom>
+          <a:noFill/>
+        </p:spPr>
+        <p:txBody>
+          <a:bodyPr wrap="square" rtlCol="0">
+            <a:spAutoFit/>
+          </a:bodyPr>
+          <a:lstStyle>
+            <a:defPPr>
+              <a:defRPr lang="ko-KR"/>
+            </a:defPPr>
+            <a:lvl1pPr>
+              <a:lnSpc>
+                <a:spcPts val="7000"/>
+              </a:lnSpc>
+              <a:defRPr sz="6600" b="1" spc="-500">
+                <a:gradFill>
+                  <a:gsLst>
+                    <a:gs pos="0">
+                      <a:srgbClr val="0099FF">
+                        <a:alpha val="62000"/>
+                      </a:srgbClr>
+                    </a:gs>
+                    <a:gs pos="99000">
+                      <a:srgbClr val="00B0F0">
+                        <a:alpha val="78000"/>
+                      </a:srgbClr>
+                    </a:gs>
+                  </a:gsLst>
+                  <a:lin ang="2700000" scaled="0"/>
+                </a:gradFill>
+                <a:latin typeface="나눔고딕" pitchFamily="50" charset="-127"/>
+                <a:ea typeface="나눔고딕" pitchFamily="50" charset="-127"/>
+              </a:defRPr>
+            </a:lvl1pPr>
+          </a:lstStyle>
+          <a:p>
+            <a:pPr>
+              <a:lnSpc>
+                <a:spcPts val="2000"/>
+              </a:lnSpc>
+              <a:buFontTx/>
+              <a:buChar char="-"/>
+            </a:pPr>
+            <a:r>
+              <a:rPr lang="en-US" altLang="ko-KR" sz="3000" b="0" spc="-50" dirty="0">
+                <a:solidFill>
+                  <a:schemeClr val="tx2">
+                    <a:lumMod val="75000"/>
+                  </a:schemeClr>
+                </a:solidFill>
+                <a:latin typeface="나눔손글씨 펜" pitchFamily="66" charset="-127"/>
+                <a:ea typeface="나눔손글씨 펜" pitchFamily="66" charset="-127"/>
+              </a:rPr>
+              <a:t> Computational complexity class : P-NP Problem</a:t>
+            </a:r>
+          </a:p>
+        </p:txBody>
+      </p:sp>
+      <p:sp>
+        <p:nvSpPr>
+          <p:cNvPr id="8" name="TextBox 7">
+            <a:extLst>
+              <a:ext uri="{FF2B5EF4-FFF2-40B4-BE49-F238E27FC236}">
+                <a16:creationId xmlns:a16="http://schemas.microsoft.com/office/drawing/2014/main" id="{E6CA935E-00FB-4C47-AC89-61DEDEE2417E}"/>
+              </a:ext>
+            </a:extLst>
+          </p:cNvPr>
+          <p:cNvSpPr txBox="1"/>
+          <p:nvPr/>
+        </p:nvSpPr>
+        <p:spPr>
+          <a:xfrm>
+            <a:off x="1160315" y="2044155"/>
+            <a:ext cx="6642520" cy="2800767"/>
+          </a:xfrm>
+          <a:prstGeom prst="rect">
+            <a:avLst/>
+          </a:prstGeom>
+          <a:noFill/>
+        </p:spPr>
+        <p:txBody>
+          <a:bodyPr wrap="square" rtlCol="0">
+            <a:spAutoFit/>
+          </a:bodyPr>
+          <a:lstStyle/>
+          <a:p>
+            <a:pPr marL="285750" indent="-285750">
+              <a:lnSpc>
+                <a:spcPct val="110000"/>
+              </a:lnSpc>
+              <a:buFontTx/>
+              <a:buChar char="-"/>
+            </a:pPr>
+            <a:r>
+              <a:rPr lang="ko-KR" altLang="en-US" sz="1600" spc="-20" dirty="0">
+                <a:solidFill>
+                  <a:schemeClr val="tx2">
+                    <a:lumMod val="75000"/>
+                  </a:schemeClr>
+                </a:solidFill>
+                <a:latin typeface="나눔손글씨 펜" pitchFamily="66" charset="-127"/>
+                <a:ea typeface="나눔손글씨 펜" pitchFamily="66" charset="-127"/>
+              </a:rPr>
+              <a:t>문제가 어려운가 쉬운가</a:t>
             </a:r>
             <a:r>
               <a:rPr lang="en-US" altLang="ko-KR" sz="1600" spc="-20" dirty="0">
@@ -7881,7 +8654,7 @@
                 <a:latin typeface="나눔손글씨 펜" pitchFamily="66" charset="-127"/>
                 <a:ea typeface="나눔손글씨 펜" pitchFamily="66" charset="-127"/>
               </a:rPr>
-              <a:t>B</a:t>
+              <a:t>? </a:t>
             </a:r>
             <a:r>
               <a:rPr lang="ko-KR" altLang="en-US" sz="1600" spc="-20" dirty="0">
@@ -7893,7 +8666,7 @@
                 <a:latin typeface="나눔손글씨 펜" pitchFamily="66" charset="-127"/>
                 <a:ea typeface="나눔손글씨 펜" pitchFamily="66" charset="-127"/>
               </a:rPr>
-              <a:t>번 곱한 수를 알고 싶다</a:t>
+              <a:t>어려운가</a:t>
             </a:r>
             <a:r>
               <a:rPr lang="en-US" altLang="ko-KR" sz="1600" spc="-20" dirty="0">
@@ -7905,7 +8678,26 @@
                 <a:latin typeface="나눔손글씨 펜" pitchFamily="66" charset="-127"/>
                 <a:ea typeface="나눔손글씨 펜" pitchFamily="66" charset="-127"/>
               </a:rPr>
-              <a:t>. </a:t>
+              <a:t>?</a:t>
+            </a:r>
+          </a:p>
+          <a:p>
+            <a:pPr>
+              <a:lnSpc>
+                <a:spcPct val="110000"/>
+              </a:lnSpc>
+            </a:pPr>
+            <a:r>
+              <a:rPr lang="en-US" altLang="ko-KR" sz="1600" spc="-20" dirty="0">
+                <a:solidFill>
+                  <a:schemeClr val="tx2">
+                    <a:lumMod val="75000"/>
+                  </a:schemeClr>
+                </a:solidFill>
+                <a:latin typeface="나눔손글씨 펜" pitchFamily="66" charset="-127"/>
+                <a:ea typeface="나눔손글씨 펜" pitchFamily="66" charset="-127"/>
+              </a:rPr>
+              <a:t>     </a:t>
             </a:r>
             <a:r>
               <a:rPr lang="ko-KR" altLang="en-US" sz="1600" spc="-20" dirty="0">
@@ -7917,8 +8709,42 @@
                 <a:latin typeface="나눔손글씨 펜" pitchFamily="66" charset="-127"/>
                 <a:ea typeface="나눔손글씨 펜" pitchFamily="66" charset="-127"/>
               </a:rPr>
-              <a:t>단 구하려는 수가 매우 커질 수 있으므로 이를 </a:t>
-            </a:r>
+              <a:t>여기서 말하는 문제의 쉽고 어려움은 그 문제를 해결하는 빠른 알고리즘이 있느냐의 여부</a:t>
+            </a:r>
+            <a:endParaRPr lang="en-US" altLang="ko-KR" sz="1600" spc="-20" dirty="0">
+              <a:solidFill>
+                <a:schemeClr val="tx2">
+                  <a:lumMod val="75000"/>
+                </a:schemeClr>
+              </a:solidFill>
+              <a:latin typeface="나눔손글씨 펜" pitchFamily="66" charset="-127"/>
+              <a:ea typeface="나눔손글씨 펜" pitchFamily="66" charset="-127"/>
+            </a:endParaRPr>
+          </a:p>
+          <a:p>
+            <a:pPr>
+              <a:lnSpc>
+                <a:spcPct val="110000"/>
+              </a:lnSpc>
+            </a:pPr>
+            <a:endParaRPr lang="en-US" altLang="ko-KR" sz="1600" spc="-20" dirty="0">
+              <a:solidFill>
+                <a:schemeClr val="tx2">
+                  <a:lumMod val="75000"/>
+                </a:schemeClr>
+              </a:solidFill>
+              <a:latin typeface="나눔손글씨 펜" pitchFamily="66" charset="-127"/>
+              <a:ea typeface="나눔손글씨 펜" pitchFamily="66" charset="-127"/>
+            </a:endParaRPr>
+          </a:p>
+          <a:p>
+            <a:pPr marL="285750" indent="-285750">
+              <a:lnSpc>
+                <a:spcPct val="110000"/>
+              </a:lnSpc>
+              <a:buFontTx/>
+              <a:buChar char="-"/>
+            </a:pPr>
             <a:r>
               <a:rPr lang="en-US" altLang="ko-KR" sz="1600" spc="-20" dirty="0">
                 <a:solidFill>
@@ -7929,31 +8755,7 @@
                 <a:latin typeface="나눔손글씨 펜" pitchFamily="66" charset="-127"/>
                 <a:ea typeface="나눔손글씨 펜" pitchFamily="66" charset="-127"/>
               </a:rPr>
-              <a:t>C</a:t>
-            </a:r>
-            <a:r>
-              <a:rPr lang="ko-KR" altLang="en-US" sz="1600" spc="-20" dirty="0">
-                <a:solidFill>
-                  <a:schemeClr val="tx2">
-                    <a:lumMod val="75000"/>
-                  </a:schemeClr>
-                </a:solidFill>
-                <a:latin typeface="나눔손글씨 펜" pitchFamily="66" charset="-127"/>
-                <a:ea typeface="나눔손글씨 펜" pitchFamily="66" charset="-127"/>
-              </a:rPr>
-              <a:t>로 나눈 나머지를 출력한다</a:t>
-            </a:r>
-            <a:r>
-              <a:rPr lang="en-US" altLang="ko-KR" sz="1600" spc="-20" dirty="0">
-                <a:solidFill>
-                  <a:schemeClr val="tx2">
-                    <a:lumMod val="75000"/>
-                  </a:schemeClr>
-                </a:solidFill>
-                <a:latin typeface="나눔손글씨 펜" pitchFamily="66" charset="-127"/>
-                <a:ea typeface="나눔손글씨 펜" pitchFamily="66" charset="-127"/>
-              </a:rPr>
-              <a:t>.</a:t>
+              <a:t>P(Polynomial) problem</a:t>
             </a:r>
           </a:p>
           <a:p>
@@ -7992,59 +8794,16 @@
                 <a:latin typeface="나눔손글씨 펜" pitchFamily="66" charset="-127"/>
                 <a:ea typeface="나눔손글씨 펜" pitchFamily="66" charset="-127"/>
               </a:rPr>
-              <a:t>A B C </a:t>
-            </a:r>
-            <a:r>
-              <a:rPr lang="ko-KR" altLang="en-US" sz="1600" spc="-20" dirty="0">
-                <a:solidFill>
-                  <a:schemeClr val="tx2">
-                    <a:lumMod val="75000"/>
-                  </a:schemeClr>
-                </a:solidFill>
-                <a:latin typeface="나눔손글씨 펜" pitchFamily="66" charset="-127"/>
-                <a:ea typeface="나눔손글씨 펜" pitchFamily="66" charset="-127"/>
-              </a:rPr>
-              <a:t>는 모두 </a:t>
-            </a:r>
-            <a:r>
-              <a:rPr lang="en-US" altLang="ko-KR" sz="1600" spc="-20" dirty="0">
-                <a:solidFill>
-                  <a:schemeClr val="tx2">
-                    <a:lumMod val="75000"/>
-                  </a:schemeClr>
-                </a:solidFill>
-                <a:latin typeface="나눔손글씨 펜" pitchFamily="66" charset="-127"/>
-                <a:ea typeface="나눔손글씨 펜" pitchFamily="66" charset="-127"/>
-              </a:rPr>
-              <a:t>2,147,483,647 </a:t>
-            </a:r>
-            <a:r>
-              <a:rPr lang="ko-KR" altLang="en-US" sz="1600" spc="-20" dirty="0">
-                <a:solidFill>
-                  <a:schemeClr val="tx2">
-                    <a:lumMod val="75000"/>
-                  </a:schemeClr>
-                </a:solidFill>
-                <a:latin typeface="나눔손글씨 펜" pitchFamily="66" charset="-127"/>
-                <a:ea typeface="나눔손글씨 펜" pitchFamily="66" charset="-127"/>
-              </a:rPr>
-              <a:t>이하의 자연수</a:t>
-            </a:r>
-            <a:endParaRPr lang="en-US" altLang="ko-KR" sz="1600" spc="-20" dirty="0">
-              <a:solidFill>
-                <a:schemeClr val="tx2">
-                  <a:lumMod val="75000"/>
-                </a:schemeClr>
-              </a:solidFill>
-              <a:latin typeface="나눔손글씨 펜" pitchFamily="66" charset="-127"/>
-              <a:ea typeface="나눔손글씨 펜" pitchFamily="66" charset="-127"/>
-            </a:endParaRPr>
-          </a:p>
-          <a:p>
-            <a:pPr>
+              <a:t>NP(Non-Polynomial) problem</a:t>
+            </a:r>
+          </a:p>
+          <a:p>
+            <a:pPr marL="285750" indent="-285750">
               <a:lnSpc>
                 <a:spcPct val="110000"/>
               </a:lnSpc>
+              <a:buFontTx/>
+              <a:buChar char="-"/>
             </a:pPr>
             <a:endParaRPr lang="en-US" altLang="ko-KR" sz="1600" spc="-20" dirty="0">
               <a:solidFill>
@@ -8056,12 +8815,129 @@
               <a:ea typeface="나눔손글씨 펜" pitchFamily="66" charset="-127"/>
             </a:endParaRPr>
           </a:p>
+          <a:p>
+            <a:pPr marL="285750" indent="-285750">
+              <a:lnSpc>
+                <a:spcPct val="110000"/>
+              </a:lnSpc>
+              <a:buFontTx/>
+              <a:buChar char="-"/>
+            </a:pPr>
+            <a:r>
+              <a:rPr lang="en-US" altLang="ko-KR" sz="1600" spc="-20" dirty="0">
+                <a:solidFill>
+                  <a:schemeClr val="tx2">
+                    <a:lumMod val="75000"/>
+                  </a:schemeClr>
+                </a:solidFill>
+                <a:latin typeface="나눔손글씨 펜" pitchFamily="66" charset="-127"/>
+                <a:ea typeface="나눔손글씨 펜" pitchFamily="66" charset="-127"/>
+              </a:rPr>
+              <a:t>P</a:t>
+            </a:r>
+            <a:r>
+              <a:rPr lang="ko-KR" altLang="en-US" sz="1600" spc="-20" dirty="0">
+                <a:solidFill>
+                  <a:schemeClr val="tx2">
+                    <a:lumMod val="75000"/>
+                  </a:schemeClr>
+                </a:solidFill>
+                <a:latin typeface="나눔손글씨 펜" pitchFamily="66" charset="-127"/>
+                <a:ea typeface="나눔손글씨 펜" pitchFamily="66" charset="-127"/>
+              </a:rPr>
+              <a:t> </a:t>
+            </a:r>
+            <a:r>
+              <a:rPr lang="en-US" altLang="ko-KR" sz="1600" spc="-20" dirty="0">
+                <a:solidFill>
+                  <a:schemeClr val="tx2">
+                    <a:lumMod val="75000"/>
+                  </a:schemeClr>
+                </a:solidFill>
+                <a:latin typeface="나눔손글씨 펜" pitchFamily="66" charset="-127"/>
+                <a:ea typeface="나눔손글씨 펜" pitchFamily="66" charset="-127"/>
+              </a:rPr>
+              <a:t>=</a:t>
+            </a:r>
+            <a:r>
+              <a:rPr lang="ko-KR" altLang="en-US" sz="1600" spc="-20" dirty="0">
+                <a:solidFill>
+                  <a:schemeClr val="tx2">
+                    <a:lumMod val="75000"/>
+                  </a:schemeClr>
+                </a:solidFill>
+                <a:latin typeface="나눔손글씨 펜" pitchFamily="66" charset="-127"/>
+                <a:ea typeface="나눔손글씨 펜" pitchFamily="66" charset="-127"/>
+              </a:rPr>
+              <a:t> </a:t>
+            </a:r>
+            <a:r>
+              <a:rPr lang="en-US" altLang="ko-KR" sz="1600" spc="-20" dirty="0">
+                <a:solidFill>
+                  <a:schemeClr val="tx2">
+                    <a:lumMod val="75000"/>
+                  </a:schemeClr>
+                </a:solidFill>
+                <a:latin typeface="나눔손글씨 펜" pitchFamily="66" charset="-127"/>
+                <a:ea typeface="나눔손글씨 펜" pitchFamily="66" charset="-127"/>
+              </a:rPr>
+              <a:t>NP ??</a:t>
+            </a:r>
+          </a:p>
+          <a:p>
+            <a:pPr marL="285750" indent="-285750">
+              <a:lnSpc>
+                <a:spcPct val="110000"/>
+              </a:lnSpc>
+              <a:buFontTx/>
+              <a:buChar char="-"/>
+            </a:pPr>
+            <a:endParaRPr lang="en-US" altLang="ko-KR" sz="1600" spc="-20" dirty="0">
+              <a:solidFill>
+                <a:schemeClr val="tx2">
+                  <a:lumMod val="75000"/>
+                </a:schemeClr>
+              </a:solidFill>
+              <a:latin typeface="나눔손글씨 펜" pitchFamily="66" charset="-127"/>
+              <a:ea typeface="나눔손글씨 펜" pitchFamily="66" charset="-127"/>
+            </a:endParaRPr>
+          </a:p>
+          <a:p>
+            <a:pPr marL="285750" indent="-285750">
+              <a:lnSpc>
+                <a:spcPct val="110000"/>
+              </a:lnSpc>
+              <a:buFontTx/>
+              <a:buChar char="-"/>
+            </a:pPr>
+            <a:r>
+              <a:rPr lang="ko-KR" altLang="en-US" sz="1600" spc="-20" dirty="0">
+                <a:solidFill>
+                  <a:schemeClr val="tx2">
+                    <a:lumMod val="75000"/>
+                  </a:schemeClr>
+                </a:solidFill>
+                <a:latin typeface="나눔손글씨 펜" pitchFamily="66" charset="-127"/>
+                <a:ea typeface="나눔손글씨 펜" pitchFamily="66" charset="-127"/>
+              </a:rPr>
+              <a:t>이에 관한 이론은 알고리즘 수업 때 더 자세하고 정확하게 다루어 보도록 하자</a:t>
+            </a:r>
+            <a:endParaRPr lang="en-US" altLang="ko-KR" sz="1600" spc="-20" dirty="0">
+              <a:solidFill>
+                <a:schemeClr val="tx2">
+                  <a:lumMod val="75000"/>
+                </a:schemeClr>
+              </a:solidFill>
+              <a:latin typeface="나눔손글씨 펜" pitchFamily="66" charset="-127"/>
+              <a:ea typeface="나눔손글씨 펜" pitchFamily="66" charset="-127"/>
+            </a:endParaRPr>
+          </a:p>
         </p:txBody>
       </p:sp>
     </p:spTree>
     <p:extLst>
       <p:ext uri="{BB962C8B-B14F-4D97-AF65-F5344CB8AC3E}">
-        <p14:creationId xmlns:p14="http://schemas.microsoft.com/office/powerpoint/2010/main" val="3380079571"/>
+        <p14:creationId xmlns:p14="http://schemas.microsoft.com/office/powerpoint/2010/main" val="1422318480"/>
       </p:ext>
     </p:extLst>
   </p:cSld>
@@ -8071,7 +8947,512 @@
 </p:sld>
 </file>
 
-<file path=ppt/slides/slide15.xml><?xml version="1.0" encoding="utf-8"?>
+<file path=ppt/slides/slide16.xml><?xml version="1.0" encoding="utf-8"?>
+<p:sld xmlns:a="http://schemas.openxmlformats.org/drawingml/2006/main" xmlns:r="http://schemas.openxmlformats.org/officeDocument/2006/relationships" xmlns:p="http://schemas.openxmlformats.org/presentationml/2006/main">
+  <p:cSld>
+    <p:spTree>
+      <p:nvGrpSpPr>
+        <p:cNvPr id="1" name=""/>
+        <p:cNvGrpSpPr/>
+        <p:nvPr/>
+      </p:nvGrpSpPr>
+      <p:grpSpPr>
+        <a:xfrm>
+          <a:off x="0" y="0"/>
+          <a:ext cx="0" cy="0"/>
+          <a:chOff x="0" y="0"/>
+          <a:chExt cx="0" cy="0"/>
+        </a:xfrm>
+      </p:grpSpPr>
+      <p:pic>
+        <p:nvPicPr>
+          <p:cNvPr id="10" name="Picture 2" descr="C:\Documents and Settings\nhn\바탕 화면\메모장\04.jpg"/>
+          <p:cNvPicPr>
+            <a:picLocks noChangeAspect="1" noChangeArrowheads="1"/>
+          </p:cNvPicPr>
+          <p:nvPr/>
+        </p:nvPicPr>
+        <p:blipFill>
+          <a:blip r:embed="rId3" cstate="print"/>
+          <a:srcRect/>
+          <a:stretch>
+            <a:fillRect/>
+          </a:stretch>
+        </p:blipFill>
+        <p:spPr bwMode="auto">
+          <a:xfrm>
+            <a:off x="0" y="0"/>
+            <a:ext cx="9144000" cy="6858000"/>
+          </a:xfrm>
+          <a:prstGeom prst="rect">
+            <a:avLst/>
+          </a:prstGeom>
+          <a:noFill/>
+        </p:spPr>
+      </p:pic>
+      <p:sp>
+        <p:nvSpPr>
+          <p:cNvPr id="4" name="TextBox 3"/>
+          <p:cNvSpPr txBox="1"/>
+          <p:nvPr/>
+        </p:nvSpPr>
+        <p:spPr>
+          <a:xfrm>
+            <a:off x="971600" y="495722"/>
+            <a:ext cx="5698104" cy="820994"/>
+          </a:xfrm>
+          <a:prstGeom prst="rect">
+            <a:avLst/>
+          </a:prstGeom>
+          <a:noFill/>
+        </p:spPr>
+        <p:txBody>
+          <a:bodyPr wrap="square" rtlCol="0">
+            <a:spAutoFit/>
+          </a:bodyPr>
+          <a:lstStyle>
+            <a:defPPr>
+              <a:defRPr lang="ko-KR"/>
+            </a:defPPr>
+            <a:lvl1pPr>
+              <a:lnSpc>
+                <a:spcPts val="7000"/>
+              </a:lnSpc>
+              <a:defRPr sz="6600" b="1" spc="-500">
+                <a:gradFill>
+                  <a:gsLst>
+                    <a:gs pos="0">
+                      <a:srgbClr val="0099FF">
+                        <a:alpha val="62000"/>
+                      </a:srgbClr>
+                    </a:gs>
+                    <a:gs pos="99000">
+                      <a:srgbClr val="00B0F0">
+                        <a:alpha val="78000"/>
+                      </a:srgbClr>
+                    </a:gs>
+                  </a:gsLst>
+                  <a:lin ang="2700000" scaled="0"/>
+                </a:gradFill>
+                <a:latin typeface="나눔고딕" pitchFamily="50" charset="-127"/>
+                <a:ea typeface="나눔고딕" pitchFamily="50" charset="-127"/>
+              </a:defRPr>
+            </a:lvl1pPr>
+          </a:lstStyle>
+          <a:p>
+            <a:r>
+              <a:rPr lang="en-US" altLang="ko-KR" sz="1800" b="0" spc="0" dirty="0">
+                <a:solidFill>
+                  <a:srgbClr val="346D94"/>
+                </a:solidFill>
+                <a:latin typeface="나눔손글씨 펜" pitchFamily="66" charset="-127"/>
+                <a:ea typeface="나눔손글씨 펜" pitchFamily="66" charset="-127"/>
+              </a:rPr>
+              <a:t>3. Practice</a:t>
+            </a:r>
+          </a:p>
+        </p:txBody>
+      </p:sp>
+      <p:sp>
+        <p:nvSpPr>
+          <p:cNvPr id="6" name="TextBox 5"/>
+          <p:cNvSpPr txBox="1"/>
+          <p:nvPr/>
+        </p:nvSpPr>
+        <p:spPr>
+          <a:xfrm>
+            <a:off x="971600" y="1360051"/>
+            <a:ext cx="5698104" cy="377026"/>
+          </a:xfrm>
+          <a:prstGeom prst="rect">
+            <a:avLst/>
+          </a:prstGeom>
+          <a:noFill/>
+        </p:spPr>
+        <p:txBody>
+          <a:bodyPr wrap="square" rtlCol="0">
+            <a:spAutoFit/>
+          </a:bodyPr>
+          <a:lstStyle>
+            <a:defPPr>
+              <a:defRPr lang="ko-KR"/>
+            </a:defPPr>
+            <a:lvl1pPr>
+              <a:lnSpc>
+                <a:spcPts val="7000"/>
+              </a:lnSpc>
+              <a:defRPr sz="6600" b="1" spc="-500">
+                <a:gradFill>
+                  <a:gsLst>
+                    <a:gs pos="0">
+                      <a:srgbClr val="0099FF">
+                        <a:alpha val="62000"/>
+                      </a:srgbClr>
+                    </a:gs>
+                    <a:gs pos="99000">
+                      <a:srgbClr val="00B0F0">
+                        <a:alpha val="78000"/>
+                      </a:srgbClr>
+                    </a:gs>
+                  </a:gsLst>
+                  <a:lin ang="2700000" scaled="0"/>
+                </a:gradFill>
+                <a:latin typeface="나눔고딕" pitchFamily="50" charset="-127"/>
+                <a:ea typeface="나눔고딕" pitchFamily="50" charset="-127"/>
+              </a:defRPr>
+            </a:lvl1pPr>
+          </a:lstStyle>
+          <a:p>
+            <a:pPr>
+              <a:lnSpc>
+                <a:spcPts val="2000"/>
+              </a:lnSpc>
+              <a:buFontTx/>
+              <a:buChar char="-"/>
+            </a:pPr>
+            <a:r>
+              <a:rPr lang="en-US" altLang="ko-KR" sz="3000" b="0" spc="-50" dirty="0">
+                <a:solidFill>
+                  <a:schemeClr val="tx2">
+                    <a:lumMod val="75000"/>
+                  </a:schemeClr>
+                </a:solidFill>
+                <a:latin typeface="나눔손글씨 펜" pitchFamily="66" charset="-127"/>
+                <a:ea typeface="나눔손글씨 펜" pitchFamily="66" charset="-127"/>
+              </a:rPr>
+              <a:t> Practice</a:t>
+            </a:r>
+          </a:p>
+        </p:txBody>
+      </p:sp>
+      <p:sp>
+        <p:nvSpPr>
+          <p:cNvPr id="7" name="TextBox 6">
+            <a:extLst>
+              <a:ext uri="{FF2B5EF4-FFF2-40B4-BE49-F238E27FC236}">
+                <a16:creationId xmlns:a16="http://schemas.microsoft.com/office/drawing/2014/main" id="{E0F0642F-FD13-47AC-B8D8-40B085E11AA5}"/>
+              </a:ext>
+            </a:extLst>
+          </p:cNvPr>
+          <p:cNvSpPr txBox="1"/>
+          <p:nvPr/>
+        </p:nvSpPr>
+        <p:spPr>
+          <a:xfrm>
+            <a:off x="1160315" y="2044155"/>
+            <a:ext cx="6642520" cy="2529923"/>
+          </a:xfrm>
+          <a:prstGeom prst="rect">
+            <a:avLst/>
+          </a:prstGeom>
+          <a:noFill/>
+        </p:spPr>
+        <p:txBody>
+          <a:bodyPr wrap="square" rtlCol="0">
+            <a:spAutoFit/>
+          </a:bodyPr>
+          <a:lstStyle/>
+          <a:p>
+            <a:pPr marL="342900" indent="-342900">
+              <a:lnSpc>
+                <a:spcPct val="110000"/>
+              </a:lnSpc>
+              <a:buAutoNum type="arabicPeriod"/>
+            </a:pPr>
+            <a:r>
+              <a:rPr lang="en-US" altLang="ko-KR" sz="1600" spc="-20" dirty="0">
+                <a:solidFill>
+                  <a:schemeClr val="tx2">
+                    <a:lumMod val="75000"/>
+                  </a:schemeClr>
+                </a:solidFill>
+                <a:latin typeface="나눔손글씨 펜" pitchFamily="66" charset="-127"/>
+                <a:ea typeface="나눔손글씨 펜" pitchFamily="66" charset="-127"/>
+              </a:rPr>
+              <a:t>6064  </a:t>
+            </a:r>
+            <a:r>
+              <a:rPr lang="ko-KR" altLang="en-US" sz="1600" spc="-20" dirty="0" err="1">
+                <a:solidFill>
+                  <a:schemeClr val="tx2">
+                    <a:lumMod val="75000"/>
+                  </a:schemeClr>
+                </a:solidFill>
+                <a:latin typeface="나눔손글씨 펜" pitchFamily="66" charset="-127"/>
+                <a:ea typeface="나눔손글씨 펜" pitchFamily="66" charset="-127"/>
+              </a:rPr>
+              <a:t>카잉</a:t>
+            </a:r>
+            <a:r>
+              <a:rPr lang="ko-KR" altLang="en-US" sz="1600" spc="-20" dirty="0">
+                <a:solidFill>
+                  <a:schemeClr val="tx2">
+                    <a:lumMod val="75000"/>
+                  </a:schemeClr>
+                </a:solidFill>
+                <a:latin typeface="나눔손글씨 펜" pitchFamily="66" charset="-127"/>
+                <a:ea typeface="나눔손글씨 펜" pitchFamily="66" charset="-127"/>
+              </a:rPr>
+              <a:t> 달력</a:t>
+            </a:r>
+            <a:endParaRPr lang="en-US" altLang="ko-KR" sz="1600" spc="-20" dirty="0">
+              <a:solidFill>
+                <a:schemeClr val="tx2">
+                  <a:lumMod val="75000"/>
+                </a:schemeClr>
+              </a:solidFill>
+              <a:latin typeface="나눔손글씨 펜" pitchFamily="66" charset="-127"/>
+              <a:ea typeface="나눔손글씨 펜" pitchFamily="66" charset="-127"/>
+            </a:endParaRPr>
+          </a:p>
+          <a:p>
+            <a:pPr marL="342900" indent="-342900">
+              <a:lnSpc>
+                <a:spcPct val="110000"/>
+              </a:lnSpc>
+              <a:buAutoNum type="arabicPeriod"/>
+            </a:pPr>
+            <a:endParaRPr lang="en-US" altLang="ko-KR" sz="1600" spc="-20" dirty="0">
+              <a:solidFill>
+                <a:schemeClr val="tx2">
+                  <a:lumMod val="75000"/>
+                </a:schemeClr>
+              </a:solidFill>
+              <a:latin typeface="나눔손글씨 펜" pitchFamily="66" charset="-127"/>
+              <a:ea typeface="나눔손글씨 펜" pitchFamily="66" charset="-127"/>
+            </a:endParaRPr>
+          </a:p>
+          <a:p>
+            <a:pPr marL="342900" indent="-342900">
+              <a:lnSpc>
+                <a:spcPct val="110000"/>
+              </a:lnSpc>
+              <a:buAutoNum type="arabicPeriod"/>
+            </a:pPr>
+            <a:r>
+              <a:rPr lang="en-US" altLang="ko-KR" sz="1600" spc="-20" dirty="0">
+                <a:solidFill>
+                  <a:schemeClr val="tx2">
+                    <a:lumMod val="75000"/>
+                  </a:schemeClr>
+                </a:solidFill>
+                <a:latin typeface="나눔손글씨 펜" pitchFamily="66" charset="-127"/>
+                <a:ea typeface="나눔손글씨 펜" pitchFamily="66" charset="-127"/>
+              </a:rPr>
+              <a:t>1929  </a:t>
+            </a:r>
+            <a:r>
+              <a:rPr lang="ko-KR" altLang="en-US" sz="1600" spc="-20" dirty="0">
+                <a:solidFill>
+                  <a:schemeClr val="tx2">
+                    <a:lumMod val="75000"/>
+                  </a:schemeClr>
+                </a:solidFill>
+                <a:latin typeface="나눔손글씨 펜" pitchFamily="66" charset="-127"/>
+                <a:ea typeface="나눔손글씨 펜" pitchFamily="66" charset="-127"/>
+              </a:rPr>
+              <a:t>소수 구하기</a:t>
+            </a:r>
+            <a:endParaRPr lang="en-US" altLang="ko-KR" sz="1600" spc="-20" dirty="0">
+              <a:solidFill>
+                <a:schemeClr val="tx2">
+                  <a:lumMod val="75000"/>
+                </a:schemeClr>
+              </a:solidFill>
+              <a:latin typeface="나눔손글씨 펜" pitchFamily="66" charset="-127"/>
+              <a:ea typeface="나눔손글씨 펜" pitchFamily="66" charset="-127"/>
+            </a:endParaRPr>
+          </a:p>
+          <a:p>
+            <a:pPr marL="342900" indent="-342900">
+              <a:lnSpc>
+                <a:spcPct val="110000"/>
+              </a:lnSpc>
+              <a:buAutoNum type="arabicPeriod"/>
+            </a:pPr>
+            <a:endParaRPr lang="en-US" altLang="ko-KR" sz="1600" spc="-20" dirty="0">
+              <a:solidFill>
+                <a:schemeClr val="tx2">
+                  <a:lumMod val="75000"/>
+                </a:schemeClr>
+              </a:solidFill>
+              <a:latin typeface="나눔손글씨 펜" pitchFamily="66" charset="-127"/>
+              <a:ea typeface="나눔손글씨 펜" pitchFamily="66" charset="-127"/>
+            </a:endParaRPr>
+          </a:p>
+          <a:p>
+            <a:pPr marL="342900" indent="-342900">
+              <a:lnSpc>
+                <a:spcPct val="110000"/>
+              </a:lnSpc>
+              <a:buAutoNum type="arabicPeriod"/>
+            </a:pPr>
+            <a:r>
+              <a:rPr lang="en-US" altLang="ko-KR" sz="1600" spc="-20" dirty="0">
+                <a:solidFill>
+                  <a:schemeClr val="tx2">
+                    <a:lumMod val="75000"/>
+                  </a:schemeClr>
+                </a:solidFill>
+                <a:latin typeface="나눔손글씨 펜" pitchFamily="66" charset="-127"/>
+                <a:ea typeface="나눔손글씨 펜" pitchFamily="66" charset="-127"/>
+              </a:rPr>
+              <a:t>2292  </a:t>
+            </a:r>
+            <a:r>
+              <a:rPr lang="ko-KR" altLang="en-US" sz="1600" spc="-20" dirty="0">
+                <a:solidFill>
+                  <a:schemeClr val="tx2">
+                    <a:lumMod val="75000"/>
+                  </a:schemeClr>
+                </a:solidFill>
+                <a:latin typeface="나눔손글씨 펜" pitchFamily="66" charset="-127"/>
+                <a:ea typeface="나눔손글씨 펜" pitchFamily="66" charset="-127"/>
+              </a:rPr>
+              <a:t>벌집</a:t>
+            </a:r>
+            <a:endParaRPr lang="en-US" altLang="ko-KR" sz="1600" spc="-20" dirty="0">
+              <a:solidFill>
+                <a:schemeClr val="tx2">
+                  <a:lumMod val="75000"/>
+                </a:schemeClr>
+              </a:solidFill>
+              <a:latin typeface="나눔손글씨 펜" pitchFamily="66" charset="-127"/>
+              <a:ea typeface="나눔손글씨 펜" pitchFamily="66" charset="-127"/>
+            </a:endParaRPr>
+          </a:p>
+          <a:p>
+            <a:pPr marL="342900" indent="-342900">
+              <a:lnSpc>
+                <a:spcPct val="110000"/>
+              </a:lnSpc>
+              <a:buAutoNum type="arabicPeriod"/>
+            </a:pPr>
+            <a:endParaRPr lang="en-US" altLang="ko-KR" sz="1600" spc="-20" dirty="0">
+              <a:solidFill>
+                <a:schemeClr val="tx2">
+                  <a:lumMod val="75000"/>
+                </a:schemeClr>
+              </a:solidFill>
+              <a:latin typeface="나눔손글씨 펜" pitchFamily="66" charset="-127"/>
+              <a:ea typeface="나눔손글씨 펜" pitchFamily="66" charset="-127"/>
+            </a:endParaRPr>
+          </a:p>
+          <a:p>
+            <a:pPr marL="342900" indent="-342900">
+              <a:lnSpc>
+                <a:spcPct val="110000"/>
+              </a:lnSpc>
+              <a:buAutoNum type="arabicPeriod"/>
+            </a:pPr>
+            <a:r>
+              <a:rPr lang="en-US" altLang="ko-KR" sz="1600" spc="-20" dirty="0">
+                <a:solidFill>
+                  <a:schemeClr val="tx2">
+                    <a:lumMod val="75000"/>
+                  </a:schemeClr>
+                </a:solidFill>
+                <a:latin typeface="나눔손글씨 펜" pitchFamily="66" charset="-127"/>
+                <a:ea typeface="나눔손글씨 펜" pitchFamily="66" charset="-127"/>
+              </a:rPr>
+              <a:t>2869  </a:t>
+            </a:r>
+            <a:r>
+              <a:rPr lang="ko-KR" altLang="en-US" sz="1600" spc="-20" dirty="0">
+                <a:solidFill>
+                  <a:schemeClr val="tx2">
+                    <a:lumMod val="75000"/>
+                  </a:schemeClr>
+                </a:solidFill>
+                <a:latin typeface="나눔손글씨 펜" pitchFamily="66" charset="-127"/>
+                <a:ea typeface="나눔손글씨 펜" pitchFamily="66" charset="-127"/>
+              </a:rPr>
+              <a:t>달팽이는 올라가고 싶다</a:t>
+            </a:r>
+            <a:endParaRPr lang="en-US" altLang="ko-KR" sz="1600" spc="-20" dirty="0">
+              <a:solidFill>
+                <a:schemeClr val="tx2">
+                  <a:lumMod val="75000"/>
+                </a:schemeClr>
+              </a:solidFill>
+              <a:latin typeface="나눔손글씨 펜" pitchFamily="66" charset="-127"/>
+              <a:ea typeface="나눔손글씨 펜" pitchFamily="66" charset="-127"/>
+            </a:endParaRPr>
+          </a:p>
+          <a:p>
+            <a:pPr marL="342900" indent="-342900">
+              <a:lnSpc>
+                <a:spcPct val="110000"/>
+              </a:lnSpc>
+              <a:buAutoNum type="arabicPeriod"/>
+            </a:pPr>
+            <a:endParaRPr lang="en-US" altLang="ko-KR" sz="1600" spc="-20" dirty="0">
+              <a:solidFill>
+                <a:schemeClr val="tx2">
+                  <a:lumMod val="75000"/>
+                </a:schemeClr>
+              </a:solidFill>
+              <a:latin typeface="나눔손글씨 펜" pitchFamily="66" charset="-127"/>
+              <a:ea typeface="나눔손글씨 펜" pitchFamily="66" charset="-127"/>
+            </a:endParaRPr>
+          </a:p>
+          <a:p>
+            <a:pPr marL="342900" indent="-342900">
+              <a:lnSpc>
+                <a:spcPct val="110000"/>
+              </a:lnSpc>
+              <a:buAutoNum type="arabicPeriod"/>
+            </a:pPr>
+            <a:r>
+              <a:rPr lang="en-US" altLang="ko-KR" sz="1600" spc="-20" dirty="0">
+                <a:solidFill>
+                  <a:schemeClr val="tx2">
+                    <a:lumMod val="75000"/>
+                  </a:schemeClr>
+                </a:solidFill>
+                <a:latin typeface="나눔손글씨 펜" pitchFamily="66" charset="-127"/>
+                <a:ea typeface="나눔손글씨 펜" pitchFamily="66" charset="-127"/>
+              </a:rPr>
+              <a:t>3474</a:t>
+            </a:r>
+            <a:r>
+              <a:rPr lang="ko-KR" altLang="en-US" sz="1600" spc="-20" dirty="0">
+                <a:solidFill>
+                  <a:schemeClr val="tx2">
+                    <a:lumMod val="75000"/>
+                  </a:schemeClr>
+                </a:solidFill>
+                <a:latin typeface="나눔손글씨 펜" pitchFamily="66" charset="-127"/>
+                <a:ea typeface="나눔손글씨 펜" pitchFamily="66" charset="-127"/>
+              </a:rPr>
+              <a:t>  교수가 된 현우</a:t>
+            </a:r>
+            <a:endParaRPr lang="en-US" altLang="ko-KR" sz="1600" spc="-20" dirty="0">
+              <a:solidFill>
+                <a:schemeClr val="tx2">
+                  <a:lumMod val="75000"/>
+                </a:schemeClr>
+              </a:solidFill>
+              <a:latin typeface="나눔손글씨 펜" pitchFamily="66" charset="-127"/>
+              <a:ea typeface="나눔손글씨 펜" pitchFamily="66" charset="-127"/>
+            </a:endParaRPr>
+          </a:p>
+        </p:txBody>
+      </p:sp>
+    </p:spTree>
+    <p:extLst>
+      <p:ext uri="{BB962C8B-B14F-4D97-AF65-F5344CB8AC3E}">
+        <p14:creationId xmlns:p14="http://schemas.microsoft.com/office/powerpoint/2010/main" val="3052960183"/>
+      </p:ext>
+    </p:extLst>
+  </p:cSld>
+  <p:clrMapOvr>
+    <a:masterClrMapping/>
+  </p:clrMapOvr>
+</p:sld>
+</file>
+
+<file path=ppt/slides/slide17.xml><?xml version="1.0" encoding="utf-8"?>
 <p:sld xmlns:a="http://schemas.openxmlformats.org/drawingml/2006/main" xmlns:r="http://schemas.openxmlformats.org/officeDocument/2006/relationships" xmlns:p="http://schemas.openxmlformats.org/presentationml/2006/main">
   <p:cSld>
     <p:spTree>
@@ -8421,7 +9802,7 @@
         <p:spPr>
           <a:xfrm>
             <a:off x="971600" y="1062261"/>
-            <a:ext cx="5698104" cy="1161215"/>
+            <a:ext cx="5698104" cy="2764539"/>
           </a:xfrm>
           <a:prstGeom prst="rect">
             <a:avLst/>
@@ -8490,6 +9871,24 @@
               <a:buFontTx/>
               <a:buAutoNum type="arabicPeriod"/>
             </a:pPr>
+            <a:endParaRPr lang="en-US" altLang="ko-KR" sz="2300" b="0" spc="0" dirty="0">
+              <a:solidFill>
+                <a:schemeClr val="tx2">
+                  <a:lumMod val="75000"/>
+                </a:schemeClr>
+              </a:solidFill>
+              <a:latin typeface="나눔손글씨 펜" pitchFamily="66" charset="-127"/>
+              <a:ea typeface="나눔손글씨 펜" pitchFamily="66" charset="-127"/>
+            </a:endParaRPr>
+          </a:p>
+          <a:p>
+            <a:pPr marL="457200" indent="-457200">
+              <a:lnSpc>
+                <a:spcPct val="151000"/>
+              </a:lnSpc>
+              <a:buFontTx/>
+              <a:buAutoNum type="arabicPeriod"/>
+            </a:pPr>
             <a:r>
               <a:rPr lang="en-US" altLang="ko-KR" sz="2300" b="0" spc="0" dirty="0">
                 <a:solidFill>
@@ -8501,6 +9900,45 @@
                 <a:ea typeface="나눔손글씨 펜" pitchFamily="66" charset="-127"/>
               </a:rPr>
               <a:t>Analysis of algorithms</a:t>
+            </a:r>
+          </a:p>
+          <a:p>
+            <a:pPr marL="457200" indent="-457200">
+              <a:lnSpc>
+                <a:spcPct val="151000"/>
+              </a:lnSpc>
+              <a:buFontTx/>
+              <a:buAutoNum type="arabicPeriod"/>
+            </a:pPr>
+            <a:endParaRPr lang="en-US" altLang="ko-KR" sz="2300" b="0" spc="0" dirty="0">
+              <a:solidFill>
+                <a:schemeClr val="tx2">
+                  <a:lumMod val="75000"/>
+                </a:schemeClr>
+              </a:solidFill>
+              <a:latin typeface="나눔손글씨 펜" pitchFamily="66" charset="-127"/>
+              <a:ea typeface="나눔손글씨 펜" pitchFamily="66" charset="-127"/>
+            </a:endParaRPr>
+          </a:p>
+          <a:p>
+            <a:pPr marL="457200" indent="-457200">
+              <a:lnSpc>
+                <a:spcPct val="151000"/>
+              </a:lnSpc>
+              <a:buFontTx/>
+              <a:buAutoNum type="arabicPeriod"/>
+            </a:pPr>
+            <a:r>
+              <a:rPr lang="en-US" altLang="ko-KR" sz="2300" b="0" spc="0" dirty="0">
+                <a:solidFill>
+                  <a:schemeClr val="tx2">
+                    <a:lumMod val="75000"/>
+                  </a:schemeClr>
+                </a:solidFill>
+                <a:latin typeface="나눔손글씨 펜" pitchFamily="66" charset="-127"/>
+                <a:ea typeface="나눔손글씨 펜" pitchFamily="66" charset="-127"/>
+              </a:rPr>
+              <a:t>Practice</a:t>
             </a:r>
           </a:p>
         </p:txBody>
